--- a/paper/aics-project.pptx
+++ b/paper/aics-project.pptx
@@ -7,6 +7,12 @@
   <p:sldIdLst>
     <p:sldId id="256" r:id="rId2"/>
     <p:sldId id="257" r:id="rId3"/>
+    <p:sldId id="258" r:id="rId4"/>
+    <p:sldId id="259" r:id="rId5"/>
+    <p:sldId id="260" r:id="rId6"/>
+    <p:sldId id="261" r:id="rId7"/>
+    <p:sldId id="262" r:id="rId8"/>
+    <p:sldId id="263" r:id="rId9"/>
   </p:sldIdLst>
   <p:sldSz cx="12192000" cy="6858000"/>
   <p:notesSz cx="6858000" cy="9144000"/>
@@ -105,13 +111,18 @@
       </a:defRPr>
     </a:lvl9pPr>
   </p:defaultTextStyle>
+  <p:extLst>
+    <p:ext uri="{EFAFB233-063F-42B5-8137-9DF3F51BA10A}">
+      <p15:sldGuideLst xmlns:p15="http://schemas.microsoft.com/office/powerpoint/2012/main"/>
+    </p:ext>
+  </p:extLst>
 </p:presentation>
 </file>
 
 <file path=ppt/revisionInfo.xml><?xml version="1.0" encoding="utf-8"?>
 <p1510:revInfo xmlns:a="http://schemas.openxmlformats.org/drawingml/2006/main" xmlns:r="http://schemas.openxmlformats.org/officeDocument/2006/relationships" xmlns:p1510="http://schemas.microsoft.com/office/powerpoint/2015/10/main">
   <p1510:revLst>
-    <p1510:client id="{6826778C-5723-4D8A-B53C-E3EFBA758A58}" v="5" dt="2023-01-06T12:53:49.338"/>
+    <p1510:client id="{6826778C-5723-4D8A-B53C-E3EFBA758A58}" v="7" dt="2023-01-09T10:08:38.841"/>
   </p1510:revLst>
 </p1510:revInfo>
 </file>
@@ -120,13 +131,13 @@
 <pc:chgInfo xmlns:a="http://schemas.openxmlformats.org/drawingml/2006/main" xmlns:r="http://schemas.openxmlformats.org/officeDocument/2006/relationships" xmlns:ac="http://schemas.microsoft.com/office/drawing/2013/main/command" xmlns:pc="http://schemas.microsoft.com/office/powerpoint/2013/main/command">
   <pc:docChgLst>
     <pc:chgData name="Maria Szawerna" userId="27f43607ae8ba673" providerId="LiveId" clId="{6826778C-5723-4D8A-B53C-E3EFBA758A58}"/>
-    <pc:docChg chg="custSel addSld modSld addMainMaster delMainMaster">
-      <pc:chgData name="Maria Szawerna" userId="27f43607ae8ba673" providerId="LiveId" clId="{6826778C-5723-4D8A-B53C-E3EFBA758A58}" dt="2023-01-06T12:54:29.850" v="116" actId="680"/>
+    <pc:docChg chg="custSel addSld modSld addMainMaster delMainMaster modMainMaster">
+      <pc:chgData name="Maria Szawerna" userId="27f43607ae8ba673" providerId="LiveId" clId="{6826778C-5723-4D8A-B53C-E3EFBA758A58}" dt="2023-01-09T10:08:38.841" v="1843"/>
       <pc:docMkLst>
         <pc:docMk/>
       </pc:docMkLst>
-      <pc:sldChg chg="addSp modSp new mod setBg modClrScheme setClrOvrMap chgLayout">
-        <pc:chgData name="Maria Szawerna" userId="27f43607ae8ba673" providerId="LiveId" clId="{6826778C-5723-4D8A-B53C-E3EFBA758A58}" dt="2023-01-06T12:54:22.573" v="115" actId="27636"/>
+      <pc:sldChg chg="addSp modSp new mod modTransition setBg modClrScheme setClrOvrMap chgLayout">
+        <pc:chgData name="Maria Szawerna" userId="27f43607ae8ba673" providerId="LiveId" clId="{6826778C-5723-4D8A-B53C-E3EFBA758A58}" dt="2023-01-09T10:08:38.841" v="1843"/>
         <pc:sldMkLst>
           <pc:docMk/>
           <pc:sldMk cId="4028530440" sldId="256"/>
@@ -188,12 +199,214 @@
           </ac:cxnSpMkLst>
         </pc:cxnChg>
       </pc:sldChg>
-      <pc:sldChg chg="new">
-        <pc:chgData name="Maria Szawerna" userId="27f43607ae8ba673" providerId="LiveId" clId="{6826778C-5723-4D8A-B53C-E3EFBA758A58}" dt="2023-01-06T12:54:29.850" v="116" actId="680"/>
+      <pc:sldChg chg="modSp new mod modTransition">
+        <pc:chgData name="Maria Szawerna" userId="27f43607ae8ba673" providerId="LiveId" clId="{6826778C-5723-4D8A-B53C-E3EFBA758A58}" dt="2023-01-09T10:08:38.841" v="1843"/>
         <pc:sldMkLst>
           <pc:docMk/>
           <pc:sldMk cId="4001721032" sldId="257"/>
         </pc:sldMkLst>
+        <pc:spChg chg="mod">
+          <ac:chgData name="Maria Szawerna" userId="27f43607ae8ba673" providerId="LiveId" clId="{6826778C-5723-4D8A-B53C-E3EFBA758A58}" dt="2023-01-09T09:55:58.062" v="128" actId="20577"/>
+          <ac:spMkLst>
+            <pc:docMk/>
+            <pc:sldMk cId="4001721032" sldId="257"/>
+            <ac:spMk id="2" creationId="{87CF4752-25E0-B6E5-A660-A59A5436154E}"/>
+          </ac:spMkLst>
+        </pc:spChg>
+        <pc:spChg chg="mod">
+          <ac:chgData name="Maria Szawerna" userId="27f43607ae8ba673" providerId="LiveId" clId="{6826778C-5723-4D8A-B53C-E3EFBA758A58}" dt="2023-01-09T09:57:15.650" v="345" actId="403"/>
+          <ac:spMkLst>
+            <pc:docMk/>
+            <pc:sldMk cId="4001721032" sldId="257"/>
+            <ac:spMk id="3" creationId="{CC697374-C9BB-7727-CFB4-A9E96BB20E69}"/>
+          </ac:spMkLst>
+        </pc:spChg>
+      </pc:sldChg>
+      <pc:sldChg chg="modSp new mod modTransition">
+        <pc:chgData name="Maria Szawerna" userId="27f43607ae8ba673" providerId="LiveId" clId="{6826778C-5723-4D8A-B53C-E3EFBA758A58}" dt="2023-01-09T10:08:38.841" v="1843"/>
+        <pc:sldMkLst>
+          <pc:docMk/>
+          <pc:sldMk cId="2736882035" sldId="258"/>
+        </pc:sldMkLst>
+        <pc:spChg chg="mod">
+          <ac:chgData name="Maria Szawerna" userId="27f43607ae8ba673" providerId="LiveId" clId="{6826778C-5723-4D8A-B53C-E3EFBA758A58}" dt="2023-01-09T09:57:26.556" v="368" actId="20577"/>
+          <ac:spMkLst>
+            <pc:docMk/>
+            <pc:sldMk cId="2736882035" sldId="258"/>
+            <ac:spMk id="2" creationId="{440F64BA-F812-7F2A-EB95-5A5D7141FDB0}"/>
+          </ac:spMkLst>
+        </pc:spChg>
+        <pc:spChg chg="mod">
+          <ac:chgData name="Maria Szawerna" userId="27f43607ae8ba673" providerId="LiveId" clId="{6826778C-5723-4D8A-B53C-E3EFBA758A58}" dt="2023-01-09T09:59:18.537" v="735" actId="20577"/>
+          <ac:spMkLst>
+            <pc:docMk/>
+            <pc:sldMk cId="2736882035" sldId="258"/>
+            <ac:spMk id="3" creationId="{CF471D7B-1772-6B66-7595-780A2BC5824F}"/>
+          </ac:spMkLst>
+        </pc:spChg>
+      </pc:sldChg>
+      <pc:sldChg chg="addSp modSp new mod modTransition">
+        <pc:chgData name="Maria Szawerna" userId="27f43607ae8ba673" providerId="LiveId" clId="{6826778C-5723-4D8A-B53C-E3EFBA758A58}" dt="2023-01-09T10:08:38.841" v="1843"/>
+        <pc:sldMkLst>
+          <pc:docMk/>
+          <pc:sldMk cId="630833342" sldId="259"/>
+        </pc:sldMkLst>
+        <pc:spChg chg="mod">
+          <ac:chgData name="Maria Szawerna" userId="27f43607ae8ba673" providerId="LiveId" clId="{6826778C-5723-4D8A-B53C-E3EFBA758A58}" dt="2023-01-09T09:59:39.073" v="753" actId="20577"/>
+          <ac:spMkLst>
+            <pc:docMk/>
+            <pc:sldMk cId="630833342" sldId="259"/>
+            <ac:spMk id="2" creationId="{4031792E-3FF3-88C9-85B3-9947D56DB3C6}"/>
+          </ac:spMkLst>
+        </pc:spChg>
+        <pc:picChg chg="add mod">
+          <ac:chgData name="Maria Szawerna" userId="27f43607ae8ba673" providerId="LiveId" clId="{6826778C-5723-4D8A-B53C-E3EFBA758A58}" dt="2023-01-09T10:01:30.590" v="764" actId="1076"/>
+          <ac:picMkLst>
+            <pc:docMk/>
+            <pc:sldMk cId="630833342" sldId="259"/>
+            <ac:picMk id="5" creationId="{ED929983-36A6-4CB9-322E-B9FC6A764D3C}"/>
+          </ac:picMkLst>
+        </pc:picChg>
+        <pc:picChg chg="add mod">
+          <ac:chgData name="Maria Szawerna" userId="27f43607ae8ba673" providerId="LiveId" clId="{6826778C-5723-4D8A-B53C-E3EFBA758A58}" dt="2023-01-09T10:01:30.590" v="764" actId="1076"/>
+          <ac:picMkLst>
+            <pc:docMk/>
+            <pc:sldMk cId="630833342" sldId="259"/>
+            <ac:picMk id="7" creationId="{5DDC050F-AD38-09F4-82FB-13BCE9B95036}"/>
+          </ac:picMkLst>
+        </pc:picChg>
+      </pc:sldChg>
+      <pc:sldChg chg="addSp modSp new mod modTransition">
+        <pc:chgData name="Maria Szawerna" userId="27f43607ae8ba673" providerId="LiveId" clId="{6826778C-5723-4D8A-B53C-E3EFBA758A58}" dt="2023-01-09T10:08:38.841" v="1843"/>
+        <pc:sldMkLst>
+          <pc:docMk/>
+          <pc:sldMk cId="2507940909" sldId="260"/>
+        </pc:sldMkLst>
+        <pc:spChg chg="mod">
+          <ac:chgData name="Maria Szawerna" userId="27f43607ae8ba673" providerId="LiveId" clId="{6826778C-5723-4D8A-B53C-E3EFBA758A58}" dt="2023-01-09T10:01:37.796" v="782" actId="20577"/>
+          <ac:spMkLst>
+            <pc:docMk/>
+            <pc:sldMk cId="2507940909" sldId="260"/>
+            <ac:spMk id="2" creationId="{6776164C-03A4-8CD7-DAFF-5B1121F70DA7}"/>
+          </ac:spMkLst>
+        </pc:spChg>
+        <pc:spChg chg="mod">
+          <ac:chgData name="Maria Szawerna" userId="27f43607ae8ba673" providerId="LiveId" clId="{6826778C-5723-4D8A-B53C-E3EFBA758A58}" dt="2023-01-09T10:03:49.017" v="907" actId="404"/>
+          <ac:spMkLst>
+            <pc:docMk/>
+            <pc:sldMk cId="2507940909" sldId="260"/>
+            <ac:spMk id="3" creationId="{691731AD-5BBC-421F-CF4E-FF48419308D4}"/>
+          </ac:spMkLst>
+        </pc:spChg>
+        <pc:picChg chg="add mod">
+          <ac:chgData name="Maria Szawerna" userId="27f43607ae8ba673" providerId="LiveId" clId="{6826778C-5723-4D8A-B53C-E3EFBA758A58}" dt="2023-01-09T10:03:01.563" v="795" actId="1076"/>
+          <ac:picMkLst>
+            <pc:docMk/>
+            <pc:sldMk cId="2507940909" sldId="260"/>
+            <ac:picMk id="5" creationId="{27CE5467-BDE9-D913-A21B-4709FCAA8B14}"/>
+          </ac:picMkLst>
+        </pc:picChg>
+        <pc:picChg chg="add mod">
+          <ac:chgData name="Maria Szawerna" userId="27f43607ae8ba673" providerId="LiveId" clId="{6826778C-5723-4D8A-B53C-E3EFBA758A58}" dt="2023-01-09T10:03:06.802" v="796" actId="1076"/>
+          <ac:picMkLst>
+            <pc:docMk/>
+            <pc:sldMk cId="2507940909" sldId="260"/>
+            <ac:picMk id="7" creationId="{66B45F14-72AF-93F6-67CA-E1F9450CF2A3}"/>
+          </ac:picMkLst>
+        </pc:picChg>
+        <pc:picChg chg="add mod">
+          <ac:chgData name="Maria Szawerna" userId="27f43607ae8ba673" providerId="LiveId" clId="{6826778C-5723-4D8A-B53C-E3EFBA758A58}" dt="2023-01-09T10:03:06.802" v="796" actId="1076"/>
+          <ac:picMkLst>
+            <pc:docMk/>
+            <pc:sldMk cId="2507940909" sldId="260"/>
+            <ac:picMk id="9" creationId="{04883A51-7F35-9EB1-71DC-14C9F6BF48D8}"/>
+          </ac:picMkLst>
+        </pc:picChg>
+      </pc:sldChg>
+      <pc:sldChg chg="modSp new mod modTransition">
+        <pc:chgData name="Maria Szawerna" userId="27f43607ae8ba673" providerId="LiveId" clId="{6826778C-5723-4D8A-B53C-E3EFBA758A58}" dt="2023-01-09T10:08:38.841" v="1843"/>
+        <pc:sldMkLst>
+          <pc:docMk/>
+          <pc:sldMk cId="3801674725" sldId="261"/>
+        </pc:sldMkLst>
+        <pc:spChg chg="mod">
+          <ac:chgData name="Maria Szawerna" userId="27f43607ae8ba673" providerId="LiveId" clId="{6826778C-5723-4D8A-B53C-E3EFBA758A58}" dt="2023-01-09T10:04:03.205" v="918" actId="20577"/>
+          <ac:spMkLst>
+            <pc:docMk/>
+            <pc:sldMk cId="3801674725" sldId="261"/>
+            <ac:spMk id="2" creationId="{F06CA420-7F83-35CE-5ACC-9A475968378C}"/>
+          </ac:spMkLst>
+        </pc:spChg>
+        <pc:spChg chg="mod">
+          <ac:chgData name="Maria Szawerna" userId="27f43607ae8ba673" providerId="LiveId" clId="{6826778C-5723-4D8A-B53C-E3EFBA758A58}" dt="2023-01-09T10:06:16.482" v="1427" actId="403"/>
+          <ac:spMkLst>
+            <pc:docMk/>
+            <pc:sldMk cId="3801674725" sldId="261"/>
+            <ac:spMk id="3" creationId="{769FA184-D48A-2E15-0B90-D55B627A2358}"/>
+          </ac:spMkLst>
+        </pc:spChg>
+      </pc:sldChg>
+      <pc:sldChg chg="modSp new mod modTransition">
+        <pc:chgData name="Maria Szawerna" userId="27f43607ae8ba673" providerId="LiveId" clId="{6826778C-5723-4D8A-B53C-E3EFBA758A58}" dt="2023-01-09T10:08:38.841" v="1843"/>
+        <pc:sldMkLst>
+          <pc:docMk/>
+          <pc:sldMk cId="2148906197" sldId="262"/>
+        </pc:sldMkLst>
+        <pc:spChg chg="mod">
+          <ac:chgData name="Maria Szawerna" userId="27f43607ae8ba673" providerId="LiveId" clId="{6826778C-5723-4D8A-B53C-E3EFBA758A58}" dt="2023-01-09T10:06:24.369" v="1439" actId="20577"/>
+          <ac:spMkLst>
+            <pc:docMk/>
+            <pc:sldMk cId="2148906197" sldId="262"/>
+            <ac:spMk id="2" creationId="{DC864453-56A3-FCA9-5ADE-78A6D2CFE836}"/>
+          </ac:spMkLst>
+        </pc:spChg>
+        <pc:spChg chg="mod">
+          <ac:chgData name="Maria Szawerna" userId="27f43607ae8ba673" providerId="LiveId" clId="{6826778C-5723-4D8A-B53C-E3EFBA758A58}" dt="2023-01-09T10:08:15.292" v="1810" actId="403"/>
+          <ac:spMkLst>
+            <pc:docMk/>
+            <pc:sldMk cId="2148906197" sldId="262"/>
+            <ac:spMk id="3" creationId="{8E372FF0-91BA-CA4E-15E8-6139DE3E46D8}"/>
+          </ac:spMkLst>
+        </pc:spChg>
+      </pc:sldChg>
+      <pc:sldChg chg="addSp delSp modSp new mod modTransition modClrScheme chgLayout">
+        <pc:chgData name="Maria Szawerna" userId="27f43607ae8ba673" providerId="LiveId" clId="{6826778C-5723-4D8A-B53C-E3EFBA758A58}" dt="2023-01-09T10:08:38.841" v="1843"/>
+        <pc:sldMkLst>
+          <pc:docMk/>
+          <pc:sldMk cId="625093865" sldId="263"/>
+        </pc:sldMkLst>
+        <pc:spChg chg="del mod ord">
+          <ac:chgData name="Maria Szawerna" userId="27f43607ae8ba673" providerId="LiveId" clId="{6826778C-5723-4D8A-B53C-E3EFBA758A58}" dt="2023-01-09T10:08:19.235" v="1812" actId="700"/>
+          <ac:spMkLst>
+            <pc:docMk/>
+            <pc:sldMk cId="625093865" sldId="263"/>
+            <ac:spMk id="2" creationId="{410F2621-35E0-3006-CC2D-4E8D4DA6759E}"/>
+          </ac:spMkLst>
+        </pc:spChg>
+        <pc:spChg chg="del mod ord">
+          <ac:chgData name="Maria Szawerna" userId="27f43607ae8ba673" providerId="LiveId" clId="{6826778C-5723-4D8A-B53C-E3EFBA758A58}" dt="2023-01-09T10:08:19.235" v="1812" actId="700"/>
+          <ac:spMkLst>
+            <pc:docMk/>
+            <pc:sldMk cId="625093865" sldId="263"/>
+            <ac:spMk id="3" creationId="{A790934B-782A-29EA-3CBC-6DCA22D2C9FC}"/>
+          </ac:spMkLst>
+        </pc:spChg>
+        <pc:spChg chg="add mod ord">
+          <ac:chgData name="Maria Szawerna" userId="27f43607ae8ba673" providerId="LiveId" clId="{6826778C-5723-4D8A-B53C-E3EFBA758A58}" dt="2023-01-09T10:08:24.336" v="1841" actId="20577"/>
+          <ac:spMkLst>
+            <pc:docMk/>
+            <pc:sldMk cId="625093865" sldId="263"/>
+            <ac:spMk id="4" creationId="{C80DEBD7-F554-D602-6224-C7EF10D677B9}"/>
+          </ac:spMkLst>
+        </pc:spChg>
+        <pc:spChg chg="add mod ord">
+          <ac:chgData name="Maria Szawerna" userId="27f43607ae8ba673" providerId="LiveId" clId="{6826778C-5723-4D8A-B53C-E3EFBA758A58}" dt="2023-01-09T10:08:19.235" v="1812" actId="700"/>
+          <ac:spMkLst>
+            <pc:docMk/>
+            <pc:sldMk cId="625093865" sldId="263"/>
+            <ac:spMk id="5" creationId="{194E9BBC-0180-58C2-019D-F6738FBBA74D}"/>
+          </ac:spMkLst>
+        </pc:spChg>
       </pc:sldChg>
       <pc:sldMasterChg chg="del delSldLayout">
         <pc:chgData name="Maria Szawerna" userId="27f43607ae8ba673" providerId="LiveId" clId="{6826778C-5723-4D8A-B53C-E3EFBA758A58}" dt="2023-01-06T12:52:50.619" v="5" actId="26606"/>
@@ -290,94 +503,94 @@
           </pc:sldLayoutMkLst>
         </pc:sldLayoutChg>
       </pc:sldMasterChg>
-      <pc:sldMasterChg chg="add addSldLayout">
-        <pc:chgData name="Maria Szawerna" userId="27f43607ae8ba673" providerId="LiveId" clId="{6826778C-5723-4D8A-B53C-E3EFBA758A58}" dt="2023-01-06T12:52:50.619" v="5" actId="26606"/>
+      <pc:sldMasterChg chg="add modTransition addSldLayout modSldLayout">
+        <pc:chgData name="Maria Szawerna" userId="27f43607ae8ba673" providerId="LiveId" clId="{6826778C-5723-4D8A-B53C-E3EFBA758A58}" dt="2023-01-09T10:08:38.841" v="1843"/>
         <pc:sldMasterMkLst>
           <pc:docMk/>
           <pc:sldMasterMk cId="2794288907" sldId="2147483773"/>
         </pc:sldMasterMkLst>
-        <pc:sldLayoutChg chg="add">
-          <pc:chgData name="Maria Szawerna" userId="27f43607ae8ba673" providerId="LiveId" clId="{6826778C-5723-4D8A-B53C-E3EFBA758A58}" dt="2023-01-06T12:52:50.619" v="5" actId="26606"/>
+        <pc:sldLayoutChg chg="add modTransition">
+          <pc:chgData name="Maria Szawerna" userId="27f43607ae8ba673" providerId="LiveId" clId="{6826778C-5723-4D8A-B53C-E3EFBA758A58}" dt="2023-01-09T10:08:38.841" v="1843"/>
           <pc:sldLayoutMkLst>
             <pc:docMk/>
             <pc:sldMasterMk cId="2794288907" sldId="2147483773"/>
             <pc:sldLayoutMk cId="2024055472" sldId="2147483762"/>
           </pc:sldLayoutMkLst>
         </pc:sldLayoutChg>
-        <pc:sldLayoutChg chg="add">
-          <pc:chgData name="Maria Szawerna" userId="27f43607ae8ba673" providerId="LiveId" clId="{6826778C-5723-4D8A-B53C-E3EFBA758A58}" dt="2023-01-06T12:52:50.619" v="5" actId="26606"/>
+        <pc:sldLayoutChg chg="add modTransition">
+          <pc:chgData name="Maria Szawerna" userId="27f43607ae8ba673" providerId="LiveId" clId="{6826778C-5723-4D8A-B53C-E3EFBA758A58}" dt="2023-01-09T10:08:38.841" v="1843"/>
           <pc:sldLayoutMkLst>
             <pc:docMk/>
             <pc:sldMasterMk cId="2794288907" sldId="2147483773"/>
             <pc:sldLayoutMk cId="82748877" sldId="2147483763"/>
           </pc:sldLayoutMkLst>
         </pc:sldLayoutChg>
-        <pc:sldLayoutChg chg="add">
-          <pc:chgData name="Maria Szawerna" userId="27f43607ae8ba673" providerId="LiveId" clId="{6826778C-5723-4D8A-B53C-E3EFBA758A58}" dt="2023-01-06T12:52:50.619" v="5" actId="26606"/>
+        <pc:sldLayoutChg chg="add modTransition">
+          <pc:chgData name="Maria Szawerna" userId="27f43607ae8ba673" providerId="LiveId" clId="{6826778C-5723-4D8A-B53C-E3EFBA758A58}" dt="2023-01-09T10:08:38.841" v="1843"/>
           <pc:sldLayoutMkLst>
             <pc:docMk/>
             <pc:sldMasterMk cId="2794288907" sldId="2147483773"/>
             <pc:sldLayoutMk cId="2172001934" sldId="2147483764"/>
           </pc:sldLayoutMkLst>
         </pc:sldLayoutChg>
-        <pc:sldLayoutChg chg="add">
-          <pc:chgData name="Maria Szawerna" userId="27f43607ae8ba673" providerId="LiveId" clId="{6826778C-5723-4D8A-B53C-E3EFBA758A58}" dt="2023-01-06T12:52:50.619" v="5" actId="26606"/>
+        <pc:sldLayoutChg chg="add modTransition">
+          <pc:chgData name="Maria Szawerna" userId="27f43607ae8ba673" providerId="LiveId" clId="{6826778C-5723-4D8A-B53C-E3EFBA758A58}" dt="2023-01-09T10:08:38.841" v="1843"/>
           <pc:sldLayoutMkLst>
             <pc:docMk/>
             <pc:sldMasterMk cId="2794288907" sldId="2147483773"/>
             <pc:sldLayoutMk cId="1788460557" sldId="2147483765"/>
           </pc:sldLayoutMkLst>
         </pc:sldLayoutChg>
-        <pc:sldLayoutChg chg="add">
-          <pc:chgData name="Maria Szawerna" userId="27f43607ae8ba673" providerId="LiveId" clId="{6826778C-5723-4D8A-B53C-E3EFBA758A58}" dt="2023-01-06T12:52:50.619" v="5" actId="26606"/>
+        <pc:sldLayoutChg chg="add modTransition">
+          <pc:chgData name="Maria Szawerna" userId="27f43607ae8ba673" providerId="LiveId" clId="{6826778C-5723-4D8A-B53C-E3EFBA758A58}" dt="2023-01-09T10:08:38.841" v="1843"/>
           <pc:sldLayoutMkLst>
             <pc:docMk/>
             <pc:sldMasterMk cId="2794288907" sldId="2147483773"/>
             <pc:sldLayoutMk cId="163937919" sldId="2147483766"/>
           </pc:sldLayoutMkLst>
         </pc:sldLayoutChg>
-        <pc:sldLayoutChg chg="add">
-          <pc:chgData name="Maria Szawerna" userId="27f43607ae8ba673" providerId="LiveId" clId="{6826778C-5723-4D8A-B53C-E3EFBA758A58}" dt="2023-01-06T12:52:50.619" v="5" actId="26606"/>
+        <pc:sldLayoutChg chg="add modTransition">
+          <pc:chgData name="Maria Szawerna" userId="27f43607ae8ba673" providerId="LiveId" clId="{6826778C-5723-4D8A-B53C-E3EFBA758A58}" dt="2023-01-09T10:08:38.841" v="1843"/>
           <pc:sldLayoutMkLst>
             <pc:docMk/>
             <pc:sldMasterMk cId="2794288907" sldId="2147483773"/>
             <pc:sldLayoutMk cId="7149762" sldId="2147483767"/>
           </pc:sldLayoutMkLst>
         </pc:sldLayoutChg>
-        <pc:sldLayoutChg chg="add">
-          <pc:chgData name="Maria Szawerna" userId="27f43607ae8ba673" providerId="LiveId" clId="{6826778C-5723-4D8A-B53C-E3EFBA758A58}" dt="2023-01-06T12:52:50.619" v="5" actId="26606"/>
+        <pc:sldLayoutChg chg="add modTransition">
+          <pc:chgData name="Maria Szawerna" userId="27f43607ae8ba673" providerId="LiveId" clId="{6826778C-5723-4D8A-B53C-E3EFBA758A58}" dt="2023-01-09T10:08:38.841" v="1843"/>
           <pc:sldLayoutMkLst>
             <pc:docMk/>
             <pc:sldMasterMk cId="2794288907" sldId="2147483773"/>
             <pc:sldLayoutMk cId="2263895522" sldId="2147483768"/>
           </pc:sldLayoutMkLst>
         </pc:sldLayoutChg>
-        <pc:sldLayoutChg chg="add">
-          <pc:chgData name="Maria Szawerna" userId="27f43607ae8ba673" providerId="LiveId" clId="{6826778C-5723-4D8A-B53C-E3EFBA758A58}" dt="2023-01-06T12:52:50.619" v="5" actId="26606"/>
+        <pc:sldLayoutChg chg="add modTransition">
+          <pc:chgData name="Maria Szawerna" userId="27f43607ae8ba673" providerId="LiveId" clId="{6826778C-5723-4D8A-B53C-E3EFBA758A58}" dt="2023-01-09T10:08:38.841" v="1843"/>
           <pc:sldLayoutMkLst>
             <pc:docMk/>
             <pc:sldMasterMk cId="2794288907" sldId="2147483773"/>
             <pc:sldLayoutMk cId="4052775358" sldId="2147483769"/>
           </pc:sldLayoutMkLst>
         </pc:sldLayoutChg>
-        <pc:sldLayoutChg chg="add">
-          <pc:chgData name="Maria Szawerna" userId="27f43607ae8ba673" providerId="LiveId" clId="{6826778C-5723-4D8A-B53C-E3EFBA758A58}" dt="2023-01-06T12:52:50.619" v="5" actId="26606"/>
+        <pc:sldLayoutChg chg="add modTransition">
+          <pc:chgData name="Maria Szawerna" userId="27f43607ae8ba673" providerId="LiveId" clId="{6826778C-5723-4D8A-B53C-E3EFBA758A58}" dt="2023-01-09T10:08:38.841" v="1843"/>
           <pc:sldLayoutMkLst>
             <pc:docMk/>
             <pc:sldMasterMk cId="2794288907" sldId="2147483773"/>
             <pc:sldLayoutMk cId="3205481969" sldId="2147483770"/>
           </pc:sldLayoutMkLst>
         </pc:sldLayoutChg>
-        <pc:sldLayoutChg chg="add">
-          <pc:chgData name="Maria Szawerna" userId="27f43607ae8ba673" providerId="LiveId" clId="{6826778C-5723-4D8A-B53C-E3EFBA758A58}" dt="2023-01-06T12:52:50.619" v="5" actId="26606"/>
+        <pc:sldLayoutChg chg="add modTransition">
+          <pc:chgData name="Maria Szawerna" userId="27f43607ae8ba673" providerId="LiveId" clId="{6826778C-5723-4D8A-B53C-E3EFBA758A58}" dt="2023-01-09T10:08:38.841" v="1843"/>
           <pc:sldLayoutMkLst>
             <pc:docMk/>
             <pc:sldMasterMk cId="2794288907" sldId="2147483773"/>
             <pc:sldLayoutMk cId="1444646517" sldId="2147483771"/>
           </pc:sldLayoutMkLst>
         </pc:sldLayoutChg>
-        <pc:sldLayoutChg chg="add">
-          <pc:chgData name="Maria Szawerna" userId="27f43607ae8ba673" providerId="LiveId" clId="{6826778C-5723-4D8A-B53C-E3EFBA758A58}" dt="2023-01-06T12:52:50.619" v="5" actId="26606"/>
+        <pc:sldLayoutChg chg="add modTransition">
+          <pc:chgData name="Maria Szawerna" userId="27f43607ae8ba673" providerId="LiveId" clId="{6826778C-5723-4D8A-B53C-E3EFBA758A58}" dt="2023-01-09T10:08:38.841" v="1843"/>
           <pc:sldLayoutMkLst>
             <pc:docMk/>
             <pc:sldMasterMk cId="2794288907" sldId="2147483773"/>
@@ -634,7 +847,7 @@
           <a:p>
             <a:fld id="{9184DA70-C731-4C70-880D-CCD4705E623C}" type="datetime1">
               <a:rPr lang="en-US" smtClean="0"/>
-              <a:t>1/6/2023</a:t>
+              <a:t>1/9/2023</a:t>
             </a:fld>
             <a:endParaRPr lang="en-US" dirty="0"/>
           </a:p>
@@ -704,6 +917,18 @@
   <p:clrMapOvr>
     <a:masterClrMapping/>
   </p:clrMapOvr>
+  <mc:AlternateContent xmlns:mc="http://schemas.openxmlformats.org/markup-compatibility/2006">
+    <mc:Choice xmlns:p14="http://schemas.microsoft.com/office/powerpoint/2010/main" Requires="p14">
+      <p:transition spd="med" p14:dur="700">
+        <p:fade/>
+      </p:transition>
+    </mc:Choice>
+    <mc:Fallback>
+      <p:transition spd="med">
+        <p:fade/>
+      </p:transition>
+    </mc:Fallback>
+  </mc:AlternateContent>
 </p:sldLayout>
 </file>
 
@@ -822,7 +1047,7 @@
           <a:p>
             <a:fld id="{B612A279-0833-481D-8C56-F67FD0AC6C50}" type="datetime1">
               <a:rPr lang="en-US" smtClean="0"/>
-              <a:t>1/6/2023</a:t>
+              <a:t>1/9/2023</a:t>
             </a:fld>
             <a:endParaRPr lang="en-US" dirty="0"/>
           </a:p>
@@ -892,6 +1117,18 @@
   <p:clrMapOvr>
     <a:masterClrMapping/>
   </p:clrMapOvr>
+  <mc:AlternateContent xmlns:mc="http://schemas.openxmlformats.org/markup-compatibility/2006">
+    <mc:Choice xmlns:p14="http://schemas.microsoft.com/office/powerpoint/2010/main" Requires="p14">
+      <p:transition spd="med" p14:dur="700">
+        <p:fade/>
+      </p:transition>
+    </mc:Choice>
+    <mc:Fallback>
+      <p:transition spd="med">
+        <p:fade/>
+      </p:transition>
+    </mc:Fallback>
+  </mc:AlternateContent>
 </p:sldLayout>
 </file>
 
@@ -1064,7 +1301,7 @@
           <a:p>
             <a:fld id="{6587DA83-5663-4C9C-B9AA-0B40A3DAFF81}" type="datetime1">
               <a:rPr lang="en-US" smtClean="0"/>
-              <a:t>1/6/2023</a:t>
+              <a:t>1/9/2023</a:t>
             </a:fld>
             <a:endParaRPr lang="en-US" dirty="0"/>
           </a:p>
@@ -1134,6 +1371,18 @@
   <p:clrMapOvr>
     <a:masterClrMapping/>
   </p:clrMapOvr>
+  <mc:AlternateContent xmlns:mc="http://schemas.openxmlformats.org/markup-compatibility/2006">
+    <mc:Choice xmlns:p14="http://schemas.microsoft.com/office/powerpoint/2010/main" Requires="p14">
+      <p:transition spd="med" p14:dur="700">
+        <p:fade/>
+      </p:transition>
+    </mc:Choice>
+    <mc:Fallback>
+      <p:transition spd="med">
+        <p:fade/>
+      </p:transition>
+    </mc:Fallback>
+  </mc:AlternateContent>
 </p:sldLayout>
 </file>
 
@@ -1252,7 +1501,7 @@
           <a:p>
             <a:fld id="{4BE1D723-8F53-4F53-90B0-1982A396982E}" type="datetime1">
               <a:rPr lang="en-US" smtClean="0"/>
-              <a:t>1/6/2023</a:t>
+              <a:t>1/9/2023</a:t>
             </a:fld>
             <a:endParaRPr lang="en-US" dirty="0"/>
           </a:p>
@@ -1322,6 +1571,18 @@
   <p:clrMapOvr>
     <a:masterClrMapping/>
   </p:clrMapOvr>
+  <mc:AlternateContent xmlns:mc="http://schemas.openxmlformats.org/markup-compatibility/2006">
+    <mc:Choice xmlns:p14="http://schemas.microsoft.com/office/powerpoint/2010/main" Requires="p14">
+      <p:transition spd="med" p14:dur="700">
+        <p:fade/>
+      </p:transition>
+    </mc:Choice>
+    <mc:Fallback>
+      <p:transition spd="med">
+        <p:fade/>
+      </p:transition>
+    </mc:Fallback>
+  </mc:AlternateContent>
 </p:sldLayout>
 </file>
 
@@ -1625,7 +1886,7 @@
           <a:p>
             <a:fld id="{97669AF7-7BEB-44E4-9852-375E34362B5B}" type="datetime1">
               <a:rPr lang="en-US" smtClean="0"/>
-              <a:t>1/6/2023</a:t>
+              <a:t>1/9/2023</a:t>
             </a:fld>
             <a:endParaRPr lang="en-US" dirty="0"/>
           </a:p>
@@ -1695,6 +1956,18 @@
   <p:clrMapOvr>
     <a:masterClrMapping/>
   </p:clrMapOvr>
+  <mc:AlternateContent xmlns:mc="http://schemas.openxmlformats.org/markup-compatibility/2006">
+    <mc:Choice xmlns:p14="http://schemas.microsoft.com/office/powerpoint/2010/main" Requires="p14">
+      <p:transition spd="med" p14:dur="700">
+        <p:fade/>
+      </p:transition>
+    </mc:Choice>
+    <mc:Fallback>
+      <p:transition spd="med">
+        <p:fade/>
+      </p:transition>
+    </mc:Fallback>
+  </mc:AlternateContent>
 </p:sldLayout>
 </file>
 
@@ -1880,7 +2153,7 @@
           <a:p>
             <a:fld id="{BAAAC38D-0552-4C82-B593-E6124DFADBE2}" type="datetime1">
               <a:rPr lang="en-US" smtClean="0"/>
-              <a:t>1/6/2023</a:t>
+              <a:t>1/9/2023</a:t>
             </a:fld>
             <a:endParaRPr lang="en-US" dirty="0"/>
           </a:p>
@@ -1950,6 +2223,18 @@
   <p:clrMapOvr>
     <a:masterClrMapping/>
   </p:clrMapOvr>
+  <mc:AlternateContent xmlns:mc="http://schemas.openxmlformats.org/markup-compatibility/2006">
+    <mc:Choice xmlns:p14="http://schemas.microsoft.com/office/powerpoint/2010/main" Requires="p14">
+      <p:transition spd="med" p14:dur="700">
+        <p:fade/>
+      </p:transition>
+    </mc:Choice>
+    <mc:Fallback>
+      <p:transition spd="med">
+        <p:fade/>
+      </p:transition>
+    </mc:Fallback>
+  </mc:AlternateContent>
 </p:sldLayout>
 </file>
 
@@ -2277,7 +2562,7 @@
           <a:p>
             <a:fld id="{D9DF0F1C-5577-4ACB-BB62-DF8F3C494C7E}" type="datetime1">
               <a:rPr lang="en-US" smtClean="0"/>
-              <a:t>1/6/2023</a:t>
+              <a:t>1/9/2023</a:t>
             </a:fld>
             <a:endParaRPr lang="en-US" dirty="0"/>
           </a:p>
@@ -2347,6 +2632,18 @@
   <p:clrMapOvr>
     <a:masterClrMapping/>
   </p:clrMapOvr>
+  <mc:AlternateContent xmlns:mc="http://schemas.openxmlformats.org/markup-compatibility/2006">
+    <mc:Choice xmlns:p14="http://schemas.microsoft.com/office/powerpoint/2010/main" Requires="p14">
+      <p:transition spd="med" p14:dur="700">
+        <p:fade/>
+      </p:transition>
+    </mc:Choice>
+    <mc:Fallback>
+      <p:transition spd="med">
+        <p:fade/>
+      </p:transition>
+    </mc:Fallback>
+  </mc:AlternateContent>
 </p:sldLayout>
 </file>
 
@@ -2413,7 +2710,7 @@
           <a:p>
             <a:fld id="{1775B394-D9F9-4F0C-B15D-605F45CB9E9F}" type="datetime1">
               <a:rPr lang="en-US" smtClean="0"/>
-              <a:t>1/6/2023</a:t>
+              <a:t>1/9/2023</a:t>
             </a:fld>
             <a:endParaRPr lang="en-US" dirty="0"/>
           </a:p>
@@ -2483,6 +2780,18 @@
   <p:clrMapOvr>
     <a:masterClrMapping/>
   </p:clrMapOvr>
+  <mc:AlternateContent xmlns:mc="http://schemas.openxmlformats.org/markup-compatibility/2006">
+    <mc:Choice xmlns:p14="http://schemas.microsoft.com/office/powerpoint/2010/main" Requires="p14">
+      <p:transition spd="med" p14:dur="700">
+        <p:fade/>
+      </p:transition>
+    </mc:Choice>
+    <mc:Fallback>
+      <p:transition spd="med">
+        <p:fade/>
+      </p:transition>
+    </mc:Fallback>
+  </mc:AlternateContent>
 </p:sldLayout>
 </file>
 
@@ -2570,7 +2879,7 @@
           <a:p>
             <a:fld id="{39667345-2558-425A-8533-9BFDBCE15005}" type="datetime1">
               <a:rPr lang="en-US" smtClean="0"/>
-              <a:t>1/6/2023</a:t>
+              <a:t>1/9/2023</a:t>
             </a:fld>
             <a:endParaRPr lang="en-US" dirty="0"/>
           </a:p>
@@ -2640,6 +2949,18 @@
   <p:clrMapOvr>
     <a:masterClrMapping/>
   </p:clrMapOvr>
+  <mc:AlternateContent xmlns:mc="http://schemas.openxmlformats.org/markup-compatibility/2006">
+    <mc:Choice xmlns:p14="http://schemas.microsoft.com/office/powerpoint/2010/main" Requires="p14">
+      <p:transition spd="med" p14:dur="700">
+        <p:fade/>
+      </p:transition>
+    </mc:Choice>
+    <mc:Fallback>
+      <p:transition spd="med">
+        <p:fade/>
+      </p:transition>
+    </mc:Fallback>
+  </mc:AlternateContent>
 </p:sldLayout>
 </file>
 
@@ -2899,7 +3220,7 @@
           <a:p>
             <a:fld id="{92BEA474-078D-4E9B-9B14-09A87B19DC46}" type="datetime1">
               <a:rPr lang="en-US" smtClean="0"/>
-              <a:t>1/6/2023</a:t>
+              <a:t>1/9/2023</a:t>
             </a:fld>
             <a:endParaRPr lang="en-US" dirty="0"/>
           </a:p>
@@ -2979,6 +3300,18 @@
   <p:clrMapOvr>
     <a:masterClrMapping/>
   </p:clrMapOvr>
+  <mc:AlternateContent xmlns:mc="http://schemas.openxmlformats.org/markup-compatibility/2006">
+    <mc:Choice xmlns:p14="http://schemas.microsoft.com/office/powerpoint/2010/main" Requires="p14">
+      <p:transition spd="med" p14:dur="700">
+        <p:fade/>
+      </p:transition>
+    </mc:Choice>
+    <mc:Fallback>
+      <p:transition spd="med">
+        <p:fade/>
+      </p:transition>
+    </mc:Fallback>
+  </mc:AlternateContent>
 </p:sldLayout>
 </file>
 
@@ -3249,7 +3582,7 @@
           <a:p>
             <a:fld id="{4907D986-8816-4272-A432-0437A28A9828}" type="datetime1">
               <a:rPr lang="en-US" smtClean="0"/>
-              <a:t>1/6/2023</a:t>
+              <a:t>1/9/2023</a:t>
             </a:fld>
             <a:endParaRPr lang="en-US" dirty="0"/>
           </a:p>
@@ -3313,6 +3646,18 @@
   <p:clrMapOvr>
     <a:masterClrMapping/>
   </p:clrMapOvr>
+  <mc:AlternateContent xmlns:mc="http://schemas.openxmlformats.org/markup-compatibility/2006">
+    <mc:Choice xmlns:p14="http://schemas.microsoft.com/office/powerpoint/2010/main" Requires="p14">
+      <p:transition spd="med" p14:dur="700">
+        <p:fade/>
+      </p:transition>
+    </mc:Choice>
+    <mc:Fallback>
+      <p:transition spd="med">
+        <p:fade/>
+      </p:transition>
+    </mc:Fallback>
+  </mc:AlternateContent>
 </p:sldLayout>
 </file>
 
@@ -3510,7 +3855,7 @@
           <a:p>
             <a:fld id="{62D6E202-B606-4609-B914-27C9371A1F6D}" type="datetime1">
               <a:rPr lang="en-US" smtClean="0"/>
-              <a:t>1/6/2023</a:t>
+              <a:t>1/9/2023</a:t>
             </a:fld>
             <a:endParaRPr lang="en-US" dirty="0"/>
           </a:p>
@@ -3655,6 +4000,18 @@
     <p:sldLayoutId id="2147483765" r:id="rId10"/>
     <p:sldLayoutId id="2147483767" r:id="rId11"/>
   </p:sldLayoutIdLst>
+  <mc:AlternateContent xmlns:mc="http://schemas.openxmlformats.org/markup-compatibility/2006">
+    <mc:Choice xmlns:p14="http://schemas.microsoft.com/office/powerpoint/2010/main" Requires="p14">
+      <p:transition spd="med" p14:dur="700">
+        <p:fade/>
+      </p:transition>
+    </mc:Choice>
+    <mc:Fallback>
+      <p:transition spd="med">
+        <p:fade/>
+      </p:transition>
+    </mc:Fallback>
+  </mc:AlternateContent>
   <p:hf sldNum="0" hdr="0" ftr="0" dt="0"/>
   <p:txStyles>
     <p:titleStyle>
@@ -4441,6 +4798,18 @@
   <p:clrMapOvr>
     <a:overrideClrMapping bg1="dk1" tx1="lt1" bg2="dk2" tx2="lt2" accent1="accent1" accent2="accent2" accent3="accent3" accent4="accent4" accent5="accent5" accent6="accent6" hlink="hlink" folHlink="folHlink"/>
   </p:clrMapOvr>
+  <mc:AlternateContent xmlns:mc="http://schemas.openxmlformats.org/markup-compatibility/2006">
+    <mc:Choice xmlns:p14="http://schemas.microsoft.com/office/powerpoint/2010/main" Requires="p14">
+      <p:transition spd="med" p14:dur="700">
+        <p:fade/>
+      </p:transition>
+    </mc:Choice>
+    <mc:Fallback>
+      <p:transition spd="med">
+        <p:fade/>
+      </p:transition>
+    </mc:Fallback>
+  </mc:AlternateContent>
 </p:sld>
 </file>
 
@@ -4482,6 +4851,10 @@
           <a:bodyPr/>
           <a:lstStyle/>
           <a:p>
+            <a:r>
+              <a:rPr lang="pl-PL" dirty="0"/>
+              <a:t>Introduction</a:t>
+            </a:r>
             <a:endParaRPr lang="en-GB" dirty="0"/>
           </a:p>
         </p:txBody>
@@ -4504,10 +4877,50 @@
         </p:nvSpPr>
         <p:spPr/>
         <p:txBody>
-          <a:bodyPr/>
-          <a:lstStyle/>
-          <a:p>
-            <a:endParaRPr lang="en-GB"/>
+          <a:bodyPr>
+            <a:normAutofit/>
+          </a:bodyPr>
+          <a:lstStyle/>
+          <a:p>
+            <a:pPr marL="457200" indent="-457200">
+              <a:buFont typeface="+mj-lt"/>
+              <a:buAutoNum type="arabicPeriod"/>
+            </a:pPr>
+            <a:r>
+              <a:rPr lang="pl-PL" sz="2800" dirty="0"/>
+              <a:t>Usefulness of image captioning software.</a:t>
+            </a:r>
+          </a:p>
+          <a:p>
+            <a:pPr marL="457200" indent="-457200">
+              <a:buFont typeface="+mj-lt"/>
+              <a:buAutoNum type="arabicPeriod"/>
+            </a:pPr>
+            <a:r>
+              <a:rPr lang="pl-PL" sz="2800" dirty="0"/>
+              <a:t>Do we need to re-train models for every domain?</a:t>
+            </a:r>
+          </a:p>
+          <a:p>
+            <a:pPr marL="457200" indent="-457200">
+              <a:buFont typeface="+mj-lt"/>
+              <a:buAutoNum type="arabicPeriod"/>
+            </a:pPr>
+            <a:r>
+              <a:rPr lang="pl-PL" sz="2800" dirty="0"/>
+              <a:t>CNN+LSTM image captioning models.</a:t>
+            </a:r>
+          </a:p>
+          <a:p>
+            <a:pPr marL="457200" indent="-457200">
+              <a:buFont typeface="+mj-lt"/>
+              <a:buAutoNum type="arabicPeriod"/>
+            </a:pPr>
+            <a:r>
+              <a:rPr lang="pl-PL" sz="2800" dirty="0"/>
+              <a:t>Can we adapt a pretrained model to a new domain?</a:t>
+            </a:r>
+            <a:endParaRPr lang="en-GB" sz="2800" dirty="0"/>
           </a:p>
         </p:txBody>
       </p:sp>
@@ -4521,6 +4934,945 @@
   <p:clrMapOvr>
     <a:masterClrMapping/>
   </p:clrMapOvr>
+  <mc:AlternateContent xmlns:mc="http://schemas.openxmlformats.org/markup-compatibility/2006">
+    <mc:Choice xmlns:p14="http://schemas.microsoft.com/office/powerpoint/2010/main" Requires="p14">
+      <p:transition spd="med" p14:dur="700">
+        <p:fade/>
+      </p:transition>
+    </mc:Choice>
+    <mc:Fallback>
+      <p:transition spd="med">
+        <p:fade/>
+      </p:transition>
+    </mc:Fallback>
+  </mc:AlternateContent>
+</p:sld>
+</file>
+
+<file path=ppt/slides/slide3.xml><?xml version="1.0" encoding="utf-8"?>
+<p:sld xmlns:a="http://schemas.openxmlformats.org/drawingml/2006/main" xmlns:r="http://schemas.openxmlformats.org/officeDocument/2006/relationships" xmlns:p="http://schemas.openxmlformats.org/presentationml/2006/main">
+  <p:cSld>
+    <p:spTree>
+      <p:nvGrpSpPr>
+        <p:cNvPr id="1" name=""/>
+        <p:cNvGrpSpPr/>
+        <p:nvPr/>
+      </p:nvGrpSpPr>
+      <p:grpSpPr>
+        <a:xfrm>
+          <a:off x="0" y="0"/>
+          <a:ext cx="0" cy="0"/>
+          <a:chOff x="0" y="0"/>
+          <a:chExt cx="0" cy="0"/>
+        </a:xfrm>
+      </p:grpSpPr>
+      <p:sp>
+        <p:nvSpPr>
+          <p:cNvPr id="2" name="Title 1">
+            <a:extLst>
+              <a:ext uri="{FF2B5EF4-FFF2-40B4-BE49-F238E27FC236}">
+                <a16:creationId xmlns:a16="http://schemas.microsoft.com/office/drawing/2014/main" id="{440F64BA-F812-7F2A-EB95-5A5D7141FDB0}"/>
+              </a:ext>
+            </a:extLst>
+          </p:cNvPr>
+          <p:cNvSpPr>
+            <a:spLocks noGrp="1"/>
+          </p:cNvSpPr>
+          <p:nvPr>
+            <p:ph type="title"/>
+          </p:nvPr>
+        </p:nvSpPr>
+        <p:spPr/>
+        <p:txBody>
+          <a:bodyPr/>
+          <a:lstStyle/>
+          <a:p>
+            <a:r>
+              <a:rPr lang="pl-PL" dirty="0"/>
+              <a:t>Materials and Methods	</a:t>
+            </a:r>
+            <a:endParaRPr lang="en-GB" dirty="0"/>
+          </a:p>
+        </p:txBody>
+      </p:sp>
+      <p:sp>
+        <p:nvSpPr>
+          <p:cNvPr id="3" name="Content Placeholder 2">
+            <a:extLst>
+              <a:ext uri="{FF2B5EF4-FFF2-40B4-BE49-F238E27FC236}">
+                <a16:creationId xmlns:a16="http://schemas.microsoft.com/office/drawing/2014/main" id="{CF471D7B-1772-6B66-7595-780A2BC5824F}"/>
+              </a:ext>
+            </a:extLst>
+          </p:cNvPr>
+          <p:cNvSpPr>
+            <a:spLocks noGrp="1"/>
+          </p:cNvSpPr>
+          <p:nvPr>
+            <p:ph idx="1"/>
+          </p:nvPr>
+        </p:nvSpPr>
+        <p:spPr/>
+        <p:txBody>
+          <a:bodyPr/>
+          <a:lstStyle/>
+          <a:p>
+            <a:pPr marL="457200" indent="-457200">
+              <a:buFont typeface="+mj-lt"/>
+              <a:buAutoNum type="arabicPeriod"/>
+            </a:pPr>
+            <a:r>
+              <a:rPr lang="pl-PL" dirty="0"/>
+              <a:t>The image captioning model from Xu et al. 2015, implemented by Nikolai for one of the tutorials in the course.</a:t>
+            </a:r>
+          </a:p>
+          <a:p>
+            <a:pPr marL="457200" indent="-457200">
+              <a:buFont typeface="+mj-lt"/>
+              <a:buAutoNum type="arabicPeriod"/>
+            </a:pPr>
+            <a:r>
+              <a:rPr lang="pl-PL" dirty="0"/>
+              <a:t>Changes:</a:t>
+            </a:r>
+          </a:p>
+          <a:p>
+            <a:pPr marL="749808" lvl="1" indent="-457200">
+              <a:buFont typeface="+mj-lt"/>
+              <a:buAutoNum type="arabicPeriod"/>
+            </a:pPr>
+            <a:r>
+              <a:rPr lang="pl-PL" dirty="0"/>
+              <a:t>Relation filter(s)</a:t>
+            </a:r>
+          </a:p>
+          <a:p>
+            <a:pPr marL="749808" lvl="1" indent="-457200">
+              <a:buFont typeface="+mj-lt"/>
+              <a:buAutoNum type="arabicPeriod"/>
+            </a:pPr>
+            <a:r>
+              <a:rPr lang="pl-PL" dirty="0"/>
+              <a:t>Unknown filter</a:t>
+            </a:r>
+          </a:p>
+          <a:p>
+            <a:pPr marL="749808" lvl="1" indent="-457200">
+              <a:buFont typeface="+mj-lt"/>
+              <a:buAutoNum type="arabicPeriod"/>
+            </a:pPr>
+            <a:r>
+              <a:rPr lang="pl-PL" dirty="0"/>
+              <a:t>Excluding UNK tokens from caption generation.</a:t>
+            </a:r>
+          </a:p>
+          <a:p>
+            <a:pPr marL="457200" indent="-457200">
+              <a:buFont typeface="+mj-lt"/>
+              <a:buAutoNum type="arabicPeriod"/>
+            </a:pPr>
+            <a:r>
+              <a:rPr lang="pl-PL" dirty="0"/>
+              <a:t>Flickr8k (original) and imageCLEF (new domain)</a:t>
+            </a:r>
+          </a:p>
+          <a:p>
+            <a:pPr marL="457200" indent="-457200">
+              <a:buFont typeface="+mj-lt"/>
+              <a:buAutoNum type="arabicPeriod"/>
+            </a:pPr>
+            <a:r>
+              <a:rPr lang="pl-PL" dirty="0"/>
+              <a:t>Human judgement questionnaire</a:t>
+            </a:r>
+          </a:p>
+        </p:txBody>
+      </p:sp>
+    </p:spTree>
+    <p:extLst>
+      <p:ext uri="{BB962C8B-B14F-4D97-AF65-F5344CB8AC3E}">
+        <p14:creationId xmlns:p14="http://schemas.microsoft.com/office/powerpoint/2010/main" val="2736882035"/>
+      </p:ext>
+    </p:extLst>
+  </p:cSld>
+  <p:clrMapOvr>
+    <a:masterClrMapping/>
+  </p:clrMapOvr>
+  <mc:AlternateContent xmlns:mc="http://schemas.openxmlformats.org/markup-compatibility/2006">
+    <mc:Choice xmlns:p14="http://schemas.microsoft.com/office/powerpoint/2010/main" Requires="p14">
+      <p:transition spd="med" p14:dur="700">
+        <p:fade/>
+      </p:transition>
+    </mc:Choice>
+    <mc:Fallback>
+      <p:transition spd="med">
+        <p:fade/>
+      </p:transition>
+    </mc:Fallback>
+  </mc:AlternateContent>
+</p:sld>
+</file>
+
+<file path=ppt/slides/slide4.xml><?xml version="1.0" encoding="utf-8"?>
+<p:sld xmlns:a="http://schemas.openxmlformats.org/drawingml/2006/main" xmlns:r="http://schemas.openxmlformats.org/officeDocument/2006/relationships" xmlns:p="http://schemas.openxmlformats.org/presentationml/2006/main">
+  <p:cSld>
+    <p:spTree>
+      <p:nvGrpSpPr>
+        <p:cNvPr id="1" name=""/>
+        <p:cNvGrpSpPr/>
+        <p:nvPr/>
+      </p:nvGrpSpPr>
+      <p:grpSpPr>
+        <a:xfrm>
+          <a:off x="0" y="0"/>
+          <a:ext cx="0" cy="0"/>
+          <a:chOff x="0" y="0"/>
+          <a:chExt cx="0" cy="0"/>
+        </a:xfrm>
+      </p:grpSpPr>
+      <p:sp>
+        <p:nvSpPr>
+          <p:cNvPr id="2" name="Title 1">
+            <a:extLst>
+              <a:ext uri="{FF2B5EF4-FFF2-40B4-BE49-F238E27FC236}">
+                <a16:creationId xmlns:a16="http://schemas.microsoft.com/office/drawing/2014/main" id="{4031792E-3FF3-88C9-85B3-9947D56DB3C6}"/>
+              </a:ext>
+            </a:extLst>
+          </p:cNvPr>
+          <p:cNvSpPr>
+            <a:spLocks noGrp="1"/>
+          </p:cNvSpPr>
+          <p:nvPr>
+            <p:ph type="title"/>
+          </p:nvPr>
+        </p:nvSpPr>
+        <p:spPr/>
+        <p:txBody>
+          <a:bodyPr/>
+          <a:lstStyle/>
+          <a:p>
+            <a:r>
+              <a:rPr lang="pl-PL" dirty="0"/>
+              <a:t>Results (Dominik)</a:t>
+            </a:r>
+            <a:endParaRPr lang="en-GB" dirty="0"/>
+          </a:p>
+        </p:txBody>
+      </p:sp>
+      <p:sp>
+        <p:nvSpPr>
+          <p:cNvPr id="3" name="Content Placeholder 2">
+            <a:extLst>
+              <a:ext uri="{FF2B5EF4-FFF2-40B4-BE49-F238E27FC236}">
+                <a16:creationId xmlns:a16="http://schemas.microsoft.com/office/drawing/2014/main" id="{27B89BA1-0C1B-1817-3AAA-B65CE607ED7B}"/>
+              </a:ext>
+            </a:extLst>
+          </p:cNvPr>
+          <p:cNvSpPr>
+            <a:spLocks noGrp="1"/>
+          </p:cNvSpPr>
+          <p:nvPr>
+            <p:ph idx="1"/>
+          </p:nvPr>
+        </p:nvSpPr>
+        <p:spPr/>
+        <p:txBody>
+          <a:bodyPr/>
+          <a:lstStyle/>
+          <a:p>
+            <a:endParaRPr lang="en-GB" dirty="0"/>
+          </a:p>
+        </p:txBody>
+      </p:sp>
+      <p:pic>
+        <p:nvPicPr>
+          <p:cNvPr id="5" name="Picture 4">
+            <a:extLst>
+              <a:ext uri="{FF2B5EF4-FFF2-40B4-BE49-F238E27FC236}">
+                <a16:creationId xmlns:a16="http://schemas.microsoft.com/office/drawing/2014/main" id="{ED929983-36A6-4CB9-322E-B9FC6A764D3C}"/>
+              </a:ext>
+            </a:extLst>
+          </p:cNvPr>
+          <p:cNvPicPr>
+            <a:picLocks noChangeAspect="1"/>
+          </p:cNvPicPr>
+          <p:nvPr/>
+        </p:nvPicPr>
+        <p:blipFill>
+          <a:blip r:embed="rId2"/>
+          <a:stretch>
+            <a:fillRect/>
+          </a:stretch>
+        </p:blipFill>
+        <p:spPr>
+          <a:xfrm>
+            <a:off x="634481" y="2235201"/>
+            <a:ext cx="4958682" cy="3398864"/>
+          </a:xfrm>
+          <a:prstGeom prst="rect">
+            <a:avLst/>
+          </a:prstGeom>
+        </p:spPr>
+      </p:pic>
+      <p:pic>
+        <p:nvPicPr>
+          <p:cNvPr id="7" name="Picture 6">
+            <a:extLst>
+              <a:ext uri="{FF2B5EF4-FFF2-40B4-BE49-F238E27FC236}">
+                <a16:creationId xmlns:a16="http://schemas.microsoft.com/office/drawing/2014/main" id="{5DDC050F-AD38-09F4-82FB-13BCE9B95036}"/>
+              </a:ext>
+            </a:extLst>
+          </p:cNvPr>
+          <p:cNvPicPr>
+            <a:picLocks noChangeAspect="1"/>
+          </p:cNvPicPr>
+          <p:nvPr/>
+        </p:nvPicPr>
+        <p:blipFill>
+          <a:blip r:embed="rId3"/>
+          <a:stretch>
+            <a:fillRect/>
+          </a:stretch>
+        </p:blipFill>
+        <p:spPr>
+          <a:xfrm>
+            <a:off x="5617696" y="2108201"/>
+            <a:ext cx="6151143" cy="3521558"/>
+          </a:xfrm>
+          <a:prstGeom prst="rect">
+            <a:avLst/>
+          </a:prstGeom>
+        </p:spPr>
+      </p:pic>
+    </p:spTree>
+    <p:extLst>
+      <p:ext uri="{BB962C8B-B14F-4D97-AF65-F5344CB8AC3E}">
+        <p14:creationId xmlns:p14="http://schemas.microsoft.com/office/powerpoint/2010/main" val="630833342"/>
+      </p:ext>
+    </p:extLst>
+  </p:cSld>
+  <p:clrMapOvr>
+    <a:masterClrMapping/>
+  </p:clrMapOvr>
+  <mc:AlternateContent xmlns:mc="http://schemas.openxmlformats.org/markup-compatibility/2006">
+    <mc:Choice xmlns:p14="http://schemas.microsoft.com/office/powerpoint/2010/main" Requires="p14">
+      <p:transition spd="med" p14:dur="700">
+        <p:fade/>
+      </p:transition>
+    </mc:Choice>
+    <mc:Fallback>
+      <p:transition spd="med">
+        <p:fade/>
+      </p:transition>
+    </mc:Fallback>
+  </mc:AlternateContent>
+</p:sld>
+</file>
+
+<file path=ppt/slides/slide5.xml><?xml version="1.0" encoding="utf-8"?>
+<p:sld xmlns:a="http://schemas.openxmlformats.org/drawingml/2006/main" xmlns:r="http://schemas.openxmlformats.org/officeDocument/2006/relationships" xmlns:p="http://schemas.openxmlformats.org/presentationml/2006/main">
+  <p:cSld>
+    <p:spTree>
+      <p:nvGrpSpPr>
+        <p:cNvPr id="1" name=""/>
+        <p:cNvGrpSpPr/>
+        <p:nvPr/>
+      </p:nvGrpSpPr>
+      <p:grpSpPr>
+        <a:xfrm>
+          <a:off x="0" y="0"/>
+          <a:ext cx="0" cy="0"/>
+          <a:chOff x="0" y="0"/>
+          <a:chExt cx="0" cy="0"/>
+        </a:xfrm>
+      </p:grpSpPr>
+      <p:sp>
+        <p:nvSpPr>
+          <p:cNvPr id="2" name="Title 1">
+            <a:extLst>
+              <a:ext uri="{FF2B5EF4-FFF2-40B4-BE49-F238E27FC236}">
+                <a16:creationId xmlns:a16="http://schemas.microsoft.com/office/drawing/2014/main" id="{6776164C-03A4-8CD7-DAFF-5B1121F70DA7}"/>
+              </a:ext>
+            </a:extLst>
+          </p:cNvPr>
+          <p:cNvSpPr>
+            <a:spLocks noGrp="1"/>
+          </p:cNvSpPr>
+          <p:nvPr>
+            <p:ph type="title"/>
+          </p:nvPr>
+        </p:nvSpPr>
+        <p:spPr/>
+        <p:txBody>
+          <a:bodyPr/>
+          <a:lstStyle/>
+          <a:p>
+            <a:r>
+              <a:rPr lang="pl-PL" dirty="0"/>
+              <a:t>Results (Maria)</a:t>
+            </a:r>
+            <a:endParaRPr lang="en-GB" dirty="0"/>
+          </a:p>
+        </p:txBody>
+      </p:sp>
+      <p:sp>
+        <p:nvSpPr>
+          <p:cNvPr id="3" name="Content Placeholder 2">
+            <a:extLst>
+              <a:ext uri="{FF2B5EF4-FFF2-40B4-BE49-F238E27FC236}">
+                <a16:creationId xmlns:a16="http://schemas.microsoft.com/office/drawing/2014/main" id="{691731AD-5BBC-421F-CF4E-FF48419308D4}"/>
+              </a:ext>
+            </a:extLst>
+          </p:cNvPr>
+          <p:cNvSpPr>
+            <a:spLocks noGrp="1"/>
+          </p:cNvSpPr>
+          <p:nvPr>
+            <p:ph idx="1"/>
+          </p:nvPr>
+        </p:nvSpPr>
+        <p:spPr>
+          <a:xfrm>
+            <a:off x="8659334" y="2108201"/>
+            <a:ext cx="2496346" cy="3760891"/>
+          </a:xfrm>
+        </p:spPr>
+        <p:txBody>
+          <a:bodyPr>
+            <a:normAutofit/>
+          </a:bodyPr>
+          <a:lstStyle/>
+          <a:p>
+            <a:r>
+              <a:rPr lang="pl-PL" sz="1800" dirty="0"/>
+              <a:t>Overall: captions were deemed to be low-quality, </a:t>
+            </a:r>
+            <a:r>
+              <a:rPr lang="pl-PL" sz="1800" i="1" dirty="0"/>
+              <a:t>r u b b i s h, </a:t>
+            </a:r>
+            <a:r>
+              <a:rPr lang="pl-PL" sz="1800" dirty="0"/>
+              <a:t>to quote one of the participants.</a:t>
+            </a:r>
+            <a:endParaRPr lang="en-GB" sz="1800" dirty="0"/>
+          </a:p>
+        </p:txBody>
+      </p:sp>
+      <p:pic>
+        <p:nvPicPr>
+          <p:cNvPr id="5" name="Picture 4">
+            <a:extLst>
+              <a:ext uri="{FF2B5EF4-FFF2-40B4-BE49-F238E27FC236}">
+                <a16:creationId xmlns:a16="http://schemas.microsoft.com/office/drawing/2014/main" id="{27CE5467-BDE9-D913-A21B-4709FCAA8B14}"/>
+              </a:ext>
+            </a:extLst>
+          </p:cNvPr>
+          <p:cNvPicPr>
+            <a:picLocks noChangeAspect="1"/>
+          </p:cNvPicPr>
+          <p:nvPr/>
+        </p:nvPicPr>
+        <p:blipFill>
+          <a:blip r:embed="rId2"/>
+          <a:stretch>
+            <a:fillRect/>
+          </a:stretch>
+        </p:blipFill>
+        <p:spPr>
+          <a:xfrm>
+            <a:off x="1097280" y="2015412"/>
+            <a:ext cx="2524608" cy="4254759"/>
+          </a:xfrm>
+          <a:prstGeom prst="rect">
+            <a:avLst/>
+          </a:prstGeom>
+        </p:spPr>
+      </p:pic>
+      <p:pic>
+        <p:nvPicPr>
+          <p:cNvPr id="7" name="Picture 6">
+            <a:extLst>
+              <a:ext uri="{FF2B5EF4-FFF2-40B4-BE49-F238E27FC236}">
+                <a16:creationId xmlns:a16="http://schemas.microsoft.com/office/drawing/2014/main" id="{66B45F14-72AF-93F6-67CA-E1F9450CF2A3}"/>
+              </a:ext>
+            </a:extLst>
+          </p:cNvPr>
+          <p:cNvPicPr>
+            <a:picLocks noChangeAspect="1"/>
+          </p:cNvPicPr>
+          <p:nvPr/>
+        </p:nvPicPr>
+        <p:blipFill>
+          <a:blip r:embed="rId3"/>
+          <a:stretch>
+            <a:fillRect/>
+          </a:stretch>
+        </p:blipFill>
+        <p:spPr>
+          <a:xfrm>
+            <a:off x="3621888" y="2015412"/>
+            <a:ext cx="2512838" cy="4254759"/>
+          </a:xfrm>
+          <a:prstGeom prst="rect">
+            <a:avLst/>
+          </a:prstGeom>
+        </p:spPr>
+      </p:pic>
+      <p:pic>
+        <p:nvPicPr>
+          <p:cNvPr id="9" name="Picture 8">
+            <a:extLst>
+              <a:ext uri="{FF2B5EF4-FFF2-40B4-BE49-F238E27FC236}">
+                <a16:creationId xmlns:a16="http://schemas.microsoft.com/office/drawing/2014/main" id="{04883A51-7F35-9EB1-71DC-14C9F6BF48D8}"/>
+              </a:ext>
+            </a:extLst>
+          </p:cNvPr>
+          <p:cNvPicPr>
+            <a:picLocks noChangeAspect="1"/>
+          </p:cNvPicPr>
+          <p:nvPr/>
+        </p:nvPicPr>
+        <p:blipFill>
+          <a:blip r:embed="rId4"/>
+          <a:stretch>
+            <a:fillRect/>
+          </a:stretch>
+        </p:blipFill>
+        <p:spPr>
+          <a:xfrm>
+            <a:off x="6134726" y="2015412"/>
+            <a:ext cx="2617850" cy="4254759"/>
+          </a:xfrm>
+          <a:prstGeom prst="rect">
+            <a:avLst/>
+          </a:prstGeom>
+        </p:spPr>
+      </p:pic>
+    </p:spTree>
+    <p:extLst>
+      <p:ext uri="{BB962C8B-B14F-4D97-AF65-F5344CB8AC3E}">
+        <p14:creationId xmlns:p14="http://schemas.microsoft.com/office/powerpoint/2010/main" val="2507940909"/>
+      </p:ext>
+    </p:extLst>
+  </p:cSld>
+  <p:clrMapOvr>
+    <a:masterClrMapping/>
+  </p:clrMapOvr>
+  <mc:AlternateContent xmlns:mc="http://schemas.openxmlformats.org/markup-compatibility/2006">
+    <mc:Choice xmlns:p14="http://schemas.microsoft.com/office/powerpoint/2010/main" Requires="p14">
+      <p:transition spd="med" p14:dur="700">
+        <p:fade/>
+      </p:transition>
+    </mc:Choice>
+    <mc:Fallback>
+      <p:transition spd="med">
+        <p:fade/>
+      </p:transition>
+    </mc:Fallback>
+  </mc:AlternateContent>
+</p:sld>
+</file>
+
+<file path=ppt/slides/slide6.xml><?xml version="1.0" encoding="utf-8"?>
+<p:sld xmlns:a="http://schemas.openxmlformats.org/drawingml/2006/main" xmlns:r="http://schemas.openxmlformats.org/officeDocument/2006/relationships" xmlns:p="http://schemas.openxmlformats.org/presentationml/2006/main">
+  <p:cSld>
+    <p:spTree>
+      <p:nvGrpSpPr>
+        <p:cNvPr id="1" name=""/>
+        <p:cNvGrpSpPr/>
+        <p:nvPr/>
+      </p:nvGrpSpPr>
+      <p:grpSpPr>
+        <a:xfrm>
+          <a:off x="0" y="0"/>
+          <a:ext cx="0" cy="0"/>
+          <a:chOff x="0" y="0"/>
+          <a:chExt cx="0" cy="0"/>
+        </a:xfrm>
+      </p:grpSpPr>
+      <p:sp>
+        <p:nvSpPr>
+          <p:cNvPr id="2" name="Title 1">
+            <a:extLst>
+              <a:ext uri="{FF2B5EF4-FFF2-40B4-BE49-F238E27FC236}">
+                <a16:creationId xmlns:a16="http://schemas.microsoft.com/office/drawing/2014/main" id="{F06CA420-7F83-35CE-5ACC-9A475968378C}"/>
+              </a:ext>
+            </a:extLst>
+          </p:cNvPr>
+          <p:cNvSpPr>
+            <a:spLocks noGrp="1"/>
+          </p:cNvSpPr>
+          <p:nvPr>
+            <p:ph type="title"/>
+          </p:nvPr>
+        </p:nvSpPr>
+        <p:spPr/>
+        <p:txBody>
+          <a:bodyPr/>
+          <a:lstStyle/>
+          <a:p>
+            <a:r>
+              <a:rPr lang="pl-PL" dirty="0"/>
+              <a:t>Discussion</a:t>
+            </a:r>
+            <a:endParaRPr lang="en-GB" dirty="0"/>
+          </a:p>
+        </p:txBody>
+      </p:sp>
+      <p:sp>
+        <p:nvSpPr>
+          <p:cNvPr id="3" name="Content Placeholder 2">
+            <a:extLst>
+              <a:ext uri="{FF2B5EF4-FFF2-40B4-BE49-F238E27FC236}">
+                <a16:creationId xmlns:a16="http://schemas.microsoft.com/office/drawing/2014/main" id="{769FA184-D48A-2E15-0B90-D55B627A2358}"/>
+              </a:ext>
+            </a:extLst>
+          </p:cNvPr>
+          <p:cNvSpPr>
+            <a:spLocks noGrp="1"/>
+          </p:cNvSpPr>
+          <p:nvPr>
+            <p:ph idx="1"/>
+          </p:nvPr>
+        </p:nvSpPr>
+        <p:spPr/>
+        <p:txBody>
+          <a:bodyPr>
+            <a:normAutofit/>
+          </a:bodyPr>
+          <a:lstStyle/>
+          <a:p>
+            <a:pPr marL="457200" indent="-457200">
+              <a:buFont typeface="+mj-lt"/>
+              <a:buAutoNum type="arabicPeriod"/>
+            </a:pPr>
+            <a:r>
+              <a:rPr lang="pl-PL" sz="2400" dirty="0"/>
+              <a:t>The fine-tuning was much more disruptive than expected.</a:t>
+            </a:r>
+          </a:p>
+          <a:p>
+            <a:pPr marL="457200" indent="-457200">
+              <a:buFont typeface="+mj-lt"/>
+              <a:buAutoNum type="arabicPeriod"/>
+            </a:pPr>
+            <a:r>
+              <a:rPr lang="pl-PL" sz="2400" dirty="0"/>
+              <a:t>Differences in caption structure (syntax) and vocabulary are major.</a:t>
+            </a:r>
+          </a:p>
+          <a:p>
+            <a:pPr marL="749808" lvl="1" indent="-457200">
+              <a:buFont typeface="+mj-lt"/>
+              <a:buAutoNum type="arabicPeriod"/>
+            </a:pPr>
+            <a:r>
+              <a:rPr lang="pl-PL" sz="2000" dirty="0"/>
+              <a:t>Less data – grammatical but thematically unfitting captions.</a:t>
+            </a:r>
+          </a:p>
+          <a:p>
+            <a:pPr marL="749808" lvl="1" indent="-457200">
+              <a:buFont typeface="+mj-lt"/>
+              <a:buAutoNum type="arabicPeriod"/>
+            </a:pPr>
+            <a:r>
+              <a:rPr lang="pl-PL" sz="2000" dirty="0"/>
+              <a:t>More data – ungrammatical, theoretically thematically fitting captions (UNK tokens).</a:t>
+            </a:r>
+          </a:p>
+          <a:p>
+            <a:pPr marL="457200" indent="-457200">
+              <a:buFont typeface="+mj-lt"/>
+              <a:buAutoNum type="arabicPeriod"/>
+            </a:pPr>
+            <a:r>
+              <a:rPr lang="pl-PL" sz="2400" dirty="0"/>
+              <a:t>Small improvements based on human judgements, but the captions are still bad.</a:t>
+            </a:r>
+          </a:p>
+          <a:p>
+            <a:pPr marL="0" indent="0">
+              <a:buNone/>
+            </a:pPr>
+            <a:endParaRPr lang="en-GB" sz="2400" dirty="0"/>
+          </a:p>
+        </p:txBody>
+      </p:sp>
+    </p:spTree>
+    <p:extLst>
+      <p:ext uri="{BB962C8B-B14F-4D97-AF65-F5344CB8AC3E}">
+        <p14:creationId xmlns:p14="http://schemas.microsoft.com/office/powerpoint/2010/main" val="3801674725"/>
+      </p:ext>
+    </p:extLst>
+  </p:cSld>
+  <p:clrMapOvr>
+    <a:masterClrMapping/>
+  </p:clrMapOvr>
+  <mc:AlternateContent xmlns:mc="http://schemas.openxmlformats.org/markup-compatibility/2006">
+    <mc:Choice xmlns:p14="http://schemas.microsoft.com/office/powerpoint/2010/main" Requires="p14">
+      <p:transition spd="med" p14:dur="700">
+        <p:fade/>
+      </p:transition>
+    </mc:Choice>
+    <mc:Fallback>
+      <p:transition spd="med">
+        <p:fade/>
+      </p:transition>
+    </mc:Fallback>
+  </mc:AlternateContent>
+</p:sld>
+</file>
+
+<file path=ppt/slides/slide7.xml><?xml version="1.0" encoding="utf-8"?>
+<p:sld xmlns:a="http://schemas.openxmlformats.org/drawingml/2006/main" xmlns:r="http://schemas.openxmlformats.org/officeDocument/2006/relationships" xmlns:p="http://schemas.openxmlformats.org/presentationml/2006/main">
+  <p:cSld>
+    <p:spTree>
+      <p:nvGrpSpPr>
+        <p:cNvPr id="1" name=""/>
+        <p:cNvGrpSpPr/>
+        <p:nvPr/>
+      </p:nvGrpSpPr>
+      <p:grpSpPr>
+        <a:xfrm>
+          <a:off x="0" y="0"/>
+          <a:ext cx="0" cy="0"/>
+          <a:chOff x="0" y="0"/>
+          <a:chExt cx="0" cy="0"/>
+        </a:xfrm>
+      </p:grpSpPr>
+      <p:sp>
+        <p:nvSpPr>
+          <p:cNvPr id="2" name="Title 1">
+            <a:extLst>
+              <a:ext uri="{FF2B5EF4-FFF2-40B4-BE49-F238E27FC236}">
+                <a16:creationId xmlns:a16="http://schemas.microsoft.com/office/drawing/2014/main" id="{DC864453-56A3-FCA9-5ADE-78A6D2CFE836}"/>
+              </a:ext>
+            </a:extLst>
+          </p:cNvPr>
+          <p:cNvSpPr>
+            <a:spLocks noGrp="1"/>
+          </p:cNvSpPr>
+          <p:nvPr>
+            <p:ph type="title"/>
+          </p:nvPr>
+        </p:nvSpPr>
+        <p:spPr/>
+        <p:txBody>
+          <a:bodyPr/>
+          <a:lstStyle/>
+          <a:p>
+            <a:r>
+              <a:rPr lang="pl-PL" dirty="0"/>
+              <a:t>Conclusions</a:t>
+            </a:r>
+            <a:endParaRPr lang="en-GB" dirty="0"/>
+          </a:p>
+        </p:txBody>
+      </p:sp>
+      <p:sp>
+        <p:nvSpPr>
+          <p:cNvPr id="3" name="Content Placeholder 2">
+            <a:extLst>
+              <a:ext uri="{FF2B5EF4-FFF2-40B4-BE49-F238E27FC236}">
+                <a16:creationId xmlns:a16="http://schemas.microsoft.com/office/drawing/2014/main" id="{8E372FF0-91BA-CA4E-15E8-6139DE3E46D8}"/>
+              </a:ext>
+            </a:extLst>
+          </p:cNvPr>
+          <p:cNvSpPr>
+            <a:spLocks noGrp="1"/>
+          </p:cNvSpPr>
+          <p:nvPr>
+            <p:ph idx="1"/>
+          </p:nvPr>
+        </p:nvSpPr>
+        <p:spPr/>
+        <p:txBody>
+          <a:bodyPr>
+            <a:normAutofit/>
+          </a:bodyPr>
+          <a:lstStyle/>
+          <a:p>
+            <a:pPr marL="457200" indent="-457200">
+              <a:buFont typeface="+mj-lt"/>
+              <a:buAutoNum type="arabicPeriod"/>
+            </a:pPr>
+            <a:r>
+              <a:rPr lang="pl-PL" sz="2400" dirty="0"/>
+              <a:t>We have addressed our questions and found out what issues impede domain adapatation.</a:t>
+            </a:r>
+          </a:p>
+          <a:p>
+            <a:pPr marL="457200" indent="-457200">
+              <a:buFont typeface="+mj-lt"/>
+              <a:buAutoNum type="arabicPeriod"/>
+            </a:pPr>
+            <a:r>
+              <a:rPr lang="pl-PL" sz="2400" dirty="0"/>
+              <a:t>Ideas for future research:</a:t>
+            </a:r>
+          </a:p>
+          <a:p>
+            <a:pPr marL="749808" lvl="1" indent="-457200">
+              <a:buFont typeface="+mj-lt"/>
+              <a:buAutoNum type="arabicPeriod"/>
+            </a:pPr>
+            <a:r>
+              <a:rPr lang="pl-PL" sz="2000" dirty="0"/>
+              <a:t>Testing the influence of other hyperparameters.</a:t>
+            </a:r>
+          </a:p>
+          <a:p>
+            <a:pPr marL="749808" lvl="1" indent="-457200">
+              <a:buFont typeface="+mj-lt"/>
+              <a:buAutoNum type="arabicPeriod"/>
+            </a:pPr>
+            <a:r>
+              <a:rPr lang="pl-PL" sz="2000" dirty="0"/>
+              <a:t>Testing the same thing on a different model architecture.</a:t>
+            </a:r>
+          </a:p>
+          <a:p>
+            <a:pPr marL="749808" lvl="1" indent="-457200">
+              <a:buFont typeface="+mj-lt"/>
+              <a:buAutoNum type="arabicPeriod"/>
+            </a:pPr>
+            <a:r>
+              <a:rPr lang="pl-PL" sz="2000" dirty="0"/>
+              <a:t>Fine-tuning on a more similar dataset.</a:t>
+            </a:r>
+          </a:p>
+          <a:p>
+            <a:pPr marL="749808" lvl="1" indent="-457200">
+              <a:buFont typeface="+mj-lt"/>
+              <a:buAutoNum type="arabicPeriod"/>
+            </a:pPr>
+            <a:r>
+              <a:rPr lang="pl-PL" sz="2000" dirty="0"/>
+              <a:t>Exploring ways of mitigating the discovered issues.</a:t>
+            </a:r>
+            <a:endParaRPr lang="en-GB" sz="2000" dirty="0"/>
+          </a:p>
+        </p:txBody>
+      </p:sp>
+    </p:spTree>
+    <p:extLst>
+      <p:ext uri="{BB962C8B-B14F-4D97-AF65-F5344CB8AC3E}">
+        <p14:creationId xmlns:p14="http://schemas.microsoft.com/office/powerpoint/2010/main" val="2148906197"/>
+      </p:ext>
+    </p:extLst>
+  </p:cSld>
+  <p:clrMapOvr>
+    <a:masterClrMapping/>
+  </p:clrMapOvr>
+  <mc:AlternateContent xmlns:mc="http://schemas.openxmlformats.org/markup-compatibility/2006">
+    <mc:Choice xmlns:p14="http://schemas.microsoft.com/office/powerpoint/2010/main" Requires="p14">
+      <p:transition spd="med" p14:dur="700">
+        <p:fade/>
+      </p:transition>
+    </mc:Choice>
+    <mc:Fallback>
+      <p:transition spd="med">
+        <p:fade/>
+      </p:transition>
+    </mc:Fallback>
+  </mc:AlternateContent>
+</p:sld>
+</file>
+
+<file path=ppt/slides/slide8.xml><?xml version="1.0" encoding="utf-8"?>
+<p:sld xmlns:a="http://schemas.openxmlformats.org/drawingml/2006/main" xmlns:r="http://schemas.openxmlformats.org/officeDocument/2006/relationships" xmlns:p="http://schemas.openxmlformats.org/presentationml/2006/main">
+  <p:cSld>
+    <p:spTree>
+      <p:nvGrpSpPr>
+        <p:cNvPr id="1" name=""/>
+        <p:cNvGrpSpPr/>
+        <p:nvPr/>
+      </p:nvGrpSpPr>
+      <p:grpSpPr>
+        <a:xfrm>
+          <a:off x="0" y="0"/>
+          <a:ext cx="0" cy="0"/>
+          <a:chOff x="0" y="0"/>
+          <a:chExt cx="0" cy="0"/>
+        </a:xfrm>
+      </p:grpSpPr>
+      <p:sp>
+        <p:nvSpPr>
+          <p:cNvPr id="4" name="Title 3">
+            <a:extLst>
+              <a:ext uri="{FF2B5EF4-FFF2-40B4-BE49-F238E27FC236}">
+                <a16:creationId xmlns:a16="http://schemas.microsoft.com/office/drawing/2014/main" id="{C80DEBD7-F554-D602-6224-C7EF10D677B9}"/>
+              </a:ext>
+            </a:extLst>
+          </p:cNvPr>
+          <p:cNvSpPr>
+            <a:spLocks noGrp="1"/>
+          </p:cNvSpPr>
+          <p:nvPr>
+            <p:ph type="title"/>
+          </p:nvPr>
+        </p:nvSpPr>
+        <p:spPr/>
+        <p:txBody>
+          <a:bodyPr/>
+          <a:lstStyle/>
+          <a:p>
+            <a:r>
+              <a:rPr lang="pl-PL" dirty="0"/>
+              <a:t>Thank you for your attention!</a:t>
+            </a:r>
+            <a:endParaRPr lang="en-GB" dirty="0"/>
+          </a:p>
+        </p:txBody>
+      </p:sp>
+      <p:sp>
+        <p:nvSpPr>
+          <p:cNvPr id="5" name="Text Placeholder 4">
+            <a:extLst>
+              <a:ext uri="{FF2B5EF4-FFF2-40B4-BE49-F238E27FC236}">
+                <a16:creationId xmlns:a16="http://schemas.microsoft.com/office/drawing/2014/main" id="{194E9BBC-0180-58C2-019D-F6738FBBA74D}"/>
+              </a:ext>
+            </a:extLst>
+          </p:cNvPr>
+          <p:cNvSpPr>
+            <a:spLocks noGrp="1"/>
+          </p:cNvSpPr>
+          <p:nvPr>
+            <p:ph type="body" idx="1"/>
+          </p:nvPr>
+        </p:nvSpPr>
+        <p:spPr/>
+        <p:txBody>
+          <a:bodyPr/>
+          <a:lstStyle/>
+          <a:p>
+            <a:endParaRPr lang="en-GB"/>
+          </a:p>
+        </p:txBody>
+      </p:sp>
+    </p:spTree>
+    <p:extLst>
+      <p:ext uri="{BB962C8B-B14F-4D97-AF65-F5344CB8AC3E}">
+        <p14:creationId xmlns:p14="http://schemas.microsoft.com/office/powerpoint/2010/main" val="625093865"/>
+      </p:ext>
+    </p:extLst>
+  </p:cSld>
+  <p:clrMapOvr>
+    <a:masterClrMapping/>
+  </p:clrMapOvr>
+  <mc:AlternateContent xmlns:mc="http://schemas.openxmlformats.org/markup-compatibility/2006">
+    <mc:Choice xmlns:p14="http://schemas.microsoft.com/office/powerpoint/2010/main" Requires="p14">
+      <p:transition spd="med" p14:dur="700">
+        <p:fade/>
+      </p:transition>
+    </mc:Choice>
+    <mc:Fallback>
+      <p:transition spd="med">
+        <p:fade/>
+      </p:transition>
+    </mc:Fallback>
+  </mc:AlternateContent>
 </p:sld>
 </file>
 

--- a/paper/aics-project.pptx
+++ b/paper/aics-project.pptx
@@ -132,7 +132,7 @@
   <pc:docChgLst>
     <pc:chgData name="Maria Szawerna" userId="27f43607ae8ba673" providerId="LiveId" clId="{6826778C-5723-4D8A-B53C-E3EFBA758A58}"/>
     <pc:docChg chg="custSel addSld modSld addMainMaster delMainMaster modMainMaster">
-      <pc:chgData name="Maria Szawerna" userId="27f43607ae8ba673" providerId="LiveId" clId="{6826778C-5723-4D8A-B53C-E3EFBA758A58}" dt="2023-01-09T10:08:38.841" v="1843"/>
+      <pc:chgData name="Maria Szawerna" userId="27f43607ae8ba673" providerId="LiveId" clId="{6826778C-5723-4D8A-B53C-E3EFBA758A58}" dt="2023-01-11T18:25:56.512" v="1902" actId="20577"/>
       <pc:docMkLst>
         <pc:docMk/>
       </pc:docMkLst>
@@ -200,13 +200,13 @@
         </pc:cxnChg>
       </pc:sldChg>
       <pc:sldChg chg="modSp new mod modTransition">
-        <pc:chgData name="Maria Szawerna" userId="27f43607ae8ba673" providerId="LiveId" clId="{6826778C-5723-4D8A-B53C-E3EFBA758A58}" dt="2023-01-09T10:08:38.841" v="1843"/>
+        <pc:chgData name="Maria Szawerna" userId="27f43607ae8ba673" providerId="LiveId" clId="{6826778C-5723-4D8A-B53C-E3EFBA758A58}" dt="2023-01-11T18:25:40.415" v="1866" actId="20577"/>
         <pc:sldMkLst>
           <pc:docMk/>
           <pc:sldMk cId="4001721032" sldId="257"/>
         </pc:sldMkLst>
         <pc:spChg chg="mod">
-          <ac:chgData name="Maria Szawerna" userId="27f43607ae8ba673" providerId="LiveId" clId="{6826778C-5723-4D8A-B53C-E3EFBA758A58}" dt="2023-01-09T09:55:58.062" v="128" actId="20577"/>
+          <ac:chgData name="Maria Szawerna" userId="27f43607ae8ba673" providerId="LiveId" clId="{6826778C-5723-4D8A-B53C-E3EFBA758A58}" dt="2023-01-11T18:25:40.415" v="1866" actId="20577"/>
           <ac:spMkLst>
             <pc:docMk/>
             <pc:sldMk cId="4001721032" sldId="257"/>
@@ -223,13 +223,13 @@
         </pc:spChg>
       </pc:sldChg>
       <pc:sldChg chg="modSp new mod modTransition">
-        <pc:chgData name="Maria Szawerna" userId="27f43607ae8ba673" providerId="LiveId" clId="{6826778C-5723-4D8A-B53C-E3EFBA758A58}" dt="2023-01-09T10:08:38.841" v="1843"/>
+        <pc:chgData name="Maria Szawerna" userId="27f43607ae8ba673" providerId="LiveId" clId="{6826778C-5723-4D8A-B53C-E3EFBA758A58}" dt="2023-01-11T18:25:44.345" v="1872" actId="20577"/>
         <pc:sldMkLst>
           <pc:docMk/>
           <pc:sldMk cId="2736882035" sldId="258"/>
         </pc:sldMkLst>
         <pc:spChg chg="mod">
-          <ac:chgData name="Maria Szawerna" userId="27f43607ae8ba673" providerId="LiveId" clId="{6826778C-5723-4D8A-B53C-E3EFBA758A58}" dt="2023-01-09T09:57:26.556" v="368" actId="20577"/>
+          <ac:chgData name="Maria Szawerna" userId="27f43607ae8ba673" providerId="LiveId" clId="{6826778C-5723-4D8A-B53C-E3EFBA758A58}" dt="2023-01-11T18:25:44.345" v="1872" actId="20577"/>
           <ac:spMkLst>
             <pc:docMk/>
             <pc:sldMk cId="2736882035" sldId="258"/>
@@ -324,13 +324,13 @@
         </pc:picChg>
       </pc:sldChg>
       <pc:sldChg chg="modSp new mod modTransition">
-        <pc:chgData name="Maria Szawerna" userId="27f43607ae8ba673" providerId="LiveId" clId="{6826778C-5723-4D8A-B53C-E3EFBA758A58}" dt="2023-01-09T10:08:38.841" v="1843"/>
+        <pc:chgData name="Maria Szawerna" userId="27f43607ae8ba673" providerId="LiveId" clId="{6826778C-5723-4D8A-B53C-E3EFBA758A58}" dt="2023-01-11T18:25:51.109" v="1886" actId="20577"/>
         <pc:sldMkLst>
           <pc:docMk/>
           <pc:sldMk cId="3801674725" sldId="261"/>
         </pc:sldMkLst>
         <pc:spChg chg="mod">
-          <ac:chgData name="Maria Szawerna" userId="27f43607ae8ba673" providerId="LiveId" clId="{6826778C-5723-4D8A-B53C-E3EFBA758A58}" dt="2023-01-09T10:04:03.205" v="918" actId="20577"/>
+          <ac:chgData name="Maria Szawerna" userId="27f43607ae8ba673" providerId="LiveId" clId="{6826778C-5723-4D8A-B53C-E3EFBA758A58}" dt="2023-01-11T18:25:51.109" v="1886" actId="20577"/>
           <ac:spMkLst>
             <pc:docMk/>
             <pc:sldMk cId="3801674725" sldId="261"/>
@@ -347,13 +347,13 @@
         </pc:spChg>
       </pc:sldChg>
       <pc:sldChg chg="modSp new mod modTransition">
-        <pc:chgData name="Maria Szawerna" userId="27f43607ae8ba673" providerId="LiveId" clId="{6826778C-5723-4D8A-B53C-E3EFBA758A58}" dt="2023-01-09T10:08:38.841" v="1843"/>
+        <pc:chgData name="Maria Szawerna" userId="27f43607ae8ba673" providerId="LiveId" clId="{6826778C-5723-4D8A-B53C-E3EFBA758A58}" dt="2023-01-11T18:25:56.512" v="1902" actId="20577"/>
         <pc:sldMkLst>
           <pc:docMk/>
           <pc:sldMk cId="2148906197" sldId="262"/>
         </pc:sldMkLst>
         <pc:spChg chg="mod">
-          <ac:chgData name="Maria Szawerna" userId="27f43607ae8ba673" providerId="LiveId" clId="{6826778C-5723-4D8A-B53C-E3EFBA758A58}" dt="2023-01-09T10:06:24.369" v="1439" actId="20577"/>
+          <ac:chgData name="Maria Szawerna" userId="27f43607ae8ba673" providerId="LiveId" clId="{6826778C-5723-4D8A-B53C-E3EFBA758A58}" dt="2023-01-11T18:25:56.512" v="1902" actId="20577"/>
           <ac:spMkLst>
             <pc:docMk/>
             <pc:sldMk cId="2148906197" sldId="262"/>
@@ -847,7 +847,7 @@
           <a:p>
             <a:fld id="{9184DA70-C731-4C70-880D-CCD4705E623C}" type="datetime1">
               <a:rPr lang="en-US" smtClean="0"/>
-              <a:t>1/9/2023</a:t>
+              <a:t>1/11/2023</a:t>
             </a:fld>
             <a:endParaRPr lang="en-US" dirty="0"/>
           </a:p>
@@ -917,13 +917,13 @@
   <p:clrMapOvr>
     <a:masterClrMapping/>
   </p:clrMapOvr>
-  <mc:AlternateContent xmlns:mc="http://schemas.openxmlformats.org/markup-compatibility/2006">
-    <mc:Choice xmlns:p14="http://schemas.microsoft.com/office/powerpoint/2010/main" Requires="p14">
+  <mc:AlternateContent xmlns:mc="http://schemas.openxmlformats.org/markup-compatibility/2006" xmlns:p14="http://schemas.microsoft.com/office/powerpoint/2010/main">
+    <mc:Choice Requires="p14">
       <p:transition spd="med" p14:dur="700">
         <p:fade/>
       </p:transition>
     </mc:Choice>
-    <mc:Fallback>
+    <mc:Fallback xmlns="">
       <p:transition spd="med">
         <p:fade/>
       </p:transition>
@@ -1047,7 +1047,7 @@
           <a:p>
             <a:fld id="{B612A279-0833-481D-8C56-F67FD0AC6C50}" type="datetime1">
               <a:rPr lang="en-US" smtClean="0"/>
-              <a:t>1/9/2023</a:t>
+              <a:t>1/11/2023</a:t>
             </a:fld>
             <a:endParaRPr lang="en-US" dirty="0"/>
           </a:p>
@@ -1117,13 +1117,13 @@
   <p:clrMapOvr>
     <a:masterClrMapping/>
   </p:clrMapOvr>
-  <mc:AlternateContent xmlns:mc="http://schemas.openxmlformats.org/markup-compatibility/2006">
-    <mc:Choice xmlns:p14="http://schemas.microsoft.com/office/powerpoint/2010/main" Requires="p14">
+  <mc:AlternateContent xmlns:mc="http://schemas.openxmlformats.org/markup-compatibility/2006" xmlns:p14="http://schemas.microsoft.com/office/powerpoint/2010/main">
+    <mc:Choice Requires="p14">
       <p:transition spd="med" p14:dur="700">
         <p:fade/>
       </p:transition>
     </mc:Choice>
-    <mc:Fallback>
+    <mc:Fallback xmlns="">
       <p:transition spd="med">
         <p:fade/>
       </p:transition>
@@ -1301,7 +1301,7 @@
           <a:p>
             <a:fld id="{6587DA83-5663-4C9C-B9AA-0B40A3DAFF81}" type="datetime1">
               <a:rPr lang="en-US" smtClean="0"/>
-              <a:t>1/9/2023</a:t>
+              <a:t>1/11/2023</a:t>
             </a:fld>
             <a:endParaRPr lang="en-US" dirty="0"/>
           </a:p>
@@ -1371,13 +1371,13 @@
   <p:clrMapOvr>
     <a:masterClrMapping/>
   </p:clrMapOvr>
-  <mc:AlternateContent xmlns:mc="http://schemas.openxmlformats.org/markup-compatibility/2006">
-    <mc:Choice xmlns:p14="http://schemas.microsoft.com/office/powerpoint/2010/main" Requires="p14">
+  <mc:AlternateContent xmlns:mc="http://schemas.openxmlformats.org/markup-compatibility/2006" xmlns:p14="http://schemas.microsoft.com/office/powerpoint/2010/main">
+    <mc:Choice Requires="p14">
       <p:transition spd="med" p14:dur="700">
         <p:fade/>
       </p:transition>
     </mc:Choice>
-    <mc:Fallback>
+    <mc:Fallback xmlns="">
       <p:transition spd="med">
         <p:fade/>
       </p:transition>
@@ -1501,7 +1501,7 @@
           <a:p>
             <a:fld id="{4BE1D723-8F53-4F53-90B0-1982A396982E}" type="datetime1">
               <a:rPr lang="en-US" smtClean="0"/>
-              <a:t>1/9/2023</a:t>
+              <a:t>1/11/2023</a:t>
             </a:fld>
             <a:endParaRPr lang="en-US" dirty="0"/>
           </a:p>
@@ -1571,13 +1571,13 @@
   <p:clrMapOvr>
     <a:masterClrMapping/>
   </p:clrMapOvr>
-  <mc:AlternateContent xmlns:mc="http://schemas.openxmlformats.org/markup-compatibility/2006">
-    <mc:Choice xmlns:p14="http://schemas.microsoft.com/office/powerpoint/2010/main" Requires="p14">
+  <mc:AlternateContent xmlns:mc="http://schemas.openxmlformats.org/markup-compatibility/2006" xmlns:p14="http://schemas.microsoft.com/office/powerpoint/2010/main">
+    <mc:Choice Requires="p14">
       <p:transition spd="med" p14:dur="700">
         <p:fade/>
       </p:transition>
     </mc:Choice>
-    <mc:Fallback>
+    <mc:Fallback xmlns="">
       <p:transition spd="med">
         <p:fade/>
       </p:transition>
@@ -1886,7 +1886,7 @@
           <a:p>
             <a:fld id="{97669AF7-7BEB-44E4-9852-375E34362B5B}" type="datetime1">
               <a:rPr lang="en-US" smtClean="0"/>
-              <a:t>1/9/2023</a:t>
+              <a:t>1/11/2023</a:t>
             </a:fld>
             <a:endParaRPr lang="en-US" dirty="0"/>
           </a:p>
@@ -1956,13 +1956,13 @@
   <p:clrMapOvr>
     <a:masterClrMapping/>
   </p:clrMapOvr>
-  <mc:AlternateContent xmlns:mc="http://schemas.openxmlformats.org/markup-compatibility/2006">
-    <mc:Choice xmlns:p14="http://schemas.microsoft.com/office/powerpoint/2010/main" Requires="p14">
+  <mc:AlternateContent xmlns:mc="http://schemas.openxmlformats.org/markup-compatibility/2006" xmlns:p14="http://schemas.microsoft.com/office/powerpoint/2010/main">
+    <mc:Choice Requires="p14">
       <p:transition spd="med" p14:dur="700">
         <p:fade/>
       </p:transition>
     </mc:Choice>
-    <mc:Fallback>
+    <mc:Fallback xmlns="">
       <p:transition spd="med">
         <p:fade/>
       </p:transition>
@@ -2153,7 +2153,7 @@
           <a:p>
             <a:fld id="{BAAAC38D-0552-4C82-B593-E6124DFADBE2}" type="datetime1">
               <a:rPr lang="en-US" smtClean="0"/>
-              <a:t>1/9/2023</a:t>
+              <a:t>1/11/2023</a:t>
             </a:fld>
             <a:endParaRPr lang="en-US" dirty="0"/>
           </a:p>
@@ -2223,13 +2223,13 @@
   <p:clrMapOvr>
     <a:masterClrMapping/>
   </p:clrMapOvr>
-  <mc:AlternateContent xmlns:mc="http://schemas.openxmlformats.org/markup-compatibility/2006">
-    <mc:Choice xmlns:p14="http://schemas.microsoft.com/office/powerpoint/2010/main" Requires="p14">
+  <mc:AlternateContent xmlns:mc="http://schemas.openxmlformats.org/markup-compatibility/2006" xmlns:p14="http://schemas.microsoft.com/office/powerpoint/2010/main">
+    <mc:Choice Requires="p14">
       <p:transition spd="med" p14:dur="700">
         <p:fade/>
       </p:transition>
     </mc:Choice>
-    <mc:Fallback>
+    <mc:Fallback xmlns="">
       <p:transition spd="med">
         <p:fade/>
       </p:transition>
@@ -2562,7 +2562,7 @@
           <a:p>
             <a:fld id="{D9DF0F1C-5577-4ACB-BB62-DF8F3C494C7E}" type="datetime1">
               <a:rPr lang="en-US" smtClean="0"/>
-              <a:t>1/9/2023</a:t>
+              <a:t>1/11/2023</a:t>
             </a:fld>
             <a:endParaRPr lang="en-US" dirty="0"/>
           </a:p>
@@ -2632,13 +2632,13 @@
   <p:clrMapOvr>
     <a:masterClrMapping/>
   </p:clrMapOvr>
-  <mc:AlternateContent xmlns:mc="http://schemas.openxmlformats.org/markup-compatibility/2006">
-    <mc:Choice xmlns:p14="http://schemas.microsoft.com/office/powerpoint/2010/main" Requires="p14">
+  <mc:AlternateContent xmlns:mc="http://schemas.openxmlformats.org/markup-compatibility/2006" xmlns:p14="http://schemas.microsoft.com/office/powerpoint/2010/main">
+    <mc:Choice Requires="p14">
       <p:transition spd="med" p14:dur="700">
         <p:fade/>
       </p:transition>
     </mc:Choice>
-    <mc:Fallback>
+    <mc:Fallback xmlns="">
       <p:transition spd="med">
         <p:fade/>
       </p:transition>
@@ -2710,7 +2710,7 @@
           <a:p>
             <a:fld id="{1775B394-D9F9-4F0C-B15D-605F45CB9E9F}" type="datetime1">
               <a:rPr lang="en-US" smtClean="0"/>
-              <a:t>1/9/2023</a:t>
+              <a:t>1/11/2023</a:t>
             </a:fld>
             <a:endParaRPr lang="en-US" dirty="0"/>
           </a:p>
@@ -2780,13 +2780,13 @@
   <p:clrMapOvr>
     <a:masterClrMapping/>
   </p:clrMapOvr>
-  <mc:AlternateContent xmlns:mc="http://schemas.openxmlformats.org/markup-compatibility/2006">
-    <mc:Choice xmlns:p14="http://schemas.microsoft.com/office/powerpoint/2010/main" Requires="p14">
+  <mc:AlternateContent xmlns:mc="http://schemas.openxmlformats.org/markup-compatibility/2006" xmlns:p14="http://schemas.microsoft.com/office/powerpoint/2010/main">
+    <mc:Choice Requires="p14">
       <p:transition spd="med" p14:dur="700">
         <p:fade/>
       </p:transition>
     </mc:Choice>
-    <mc:Fallback>
+    <mc:Fallback xmlns="">
       <p:transition spd="med">
         <p:fade/>
       </p:transition>
@@ -2879,7 +2879,7 @@
           <a:p>
             <a:fld id="{39667345-2558-425A-8533-9BFDBCE15005}" type="datetime1">
               <a:rPr lang="en-US" smtClean="0"/>
-              <a:t>1/9/2023</a:t>
+              <a:t>1/11/2023</a:t>
             </a:fld>
             <a:endParaRPr lang="en-US" dirty="0"/>
           </a:p>
@@ -2949,13 +2949,13 @@
   <p:clrMapOvr>
     <a:masterClrMapping/>
   </p:clrMapOvr>
-  <mc:AlternateContent xmlns:mc="http://schemas.openxmlformats.org/markup-compatibility/2006">
-    <mc:Choice xmlns:p14="http://schemas.microsoft.com/office/powerpoint/2010/main" Requires="p14">
+  <mc:AlternateContent xmlns:mc="http://schemas.openxmlformats.org/markup-compatibility/2006" xmlns:p14="http://schemas.microsoft.com/office/powerpoint/2010/main">
+    <mc:Choice Requires="p14">
       <p:transition spd="med" p14:dur="700">
         <p:fade/>
       </p:transition>
     </mc:Choice>
-    <mc:Fallback>
+    <mc:Fallback xmlns="">
       <p:transition spd="med">
         <p:fade/>
       </p:transition>
@@ -3220,7 +3220,7 @@
           <a:p>
             <a:fld id="{92BEA474-078D-4E9B-9B14-09A87B19DC46}" type="datetime1">
               <a:rPr lang="en-US" smtClean="0"/>
-              <a:t>1/9/2023</a:t>
+              <a:t>1/11/2023</a:t>
             </a:fld>
             <a:endParaRPr lang="en-US" dirty="0"/>
           </a:p>
@@ -3300,13 +3300,13 @@
   <p:clrMapOvr>
     <a:masterClrMapping/>
   </p:clrMapOvr>
-  <mc:AlternateContent xmlns:mc="http://schemas.openxmlformats.org/markup-compatibility/2006">
-    <mc:Choice xmlns:p14="http://schemas.microsoft.com/office/powerpoint/2010/main" Requires="p14">
+  <mc:AlternateContent xmlns:mc="http://schemas.openxmlformats.org/markup-compatibility/2006" xmlns:p14="http://schemas.microsoft.com/office/powerpoint/2010/main">
+    <mc:Choice Requires="p14">
       <p:transition spd="med" p14:dur="700">
         <p:fade/>
       </p:transition>
     </mc:Choice>
-    <mc:Fallback>
+    <mc:Fallback xmlns="">
       <p:transition spd="med">
         <p:fade/>
       </p:transition>
@@ -3582,7 +3582,7 @@
           <a:p>
             <a:fld id="{4907D986-8816-4272-A432-0437A28A9828}" type="datetime1">
               <a:rPr lang="en-US" smtClean="0"/>
-              <a:t>1/9/2023</a:t>
+              <a:t>1/11/2023</a:t>
             </a:fld>
             <a:endParaRPr lang="en-US" dirty="0"/>
           </a:p>
@@ -3646,13 +3646,13 @@
   <p:clrMapOvr>
     <a:masterClrMapping/>
   </p:clrMapOvr>
-  <mc:AlternateContent xmlns:mc="http://schemas.openxmlformats.org/markup-compatibility/2006">
-    <mc:Choice xmlns:p14="http://schemas.microsoft.com/office/powerpoint/2010/main" Requires="p14">
+  <mc:AlternateContent xmlns:mc="http://schemas.openxmlformats.org/markup-compatibility/2006" xmlns:p14="http://schemas.microsoft.com/office/powerpoint/2010/main">
+    <mc:Choice Requires="p14">
       <p:transition spd="med" p14:dur="700">
         <p:fade/>
       </p:transition>
     </mc:Choice>
-    <mc:Fallback>
+    <mc:Fallback xmlns="">
       <p:transition spd="med">
         <p:fade/>
       </p:transition>
@@ -3855,7 +3855,7 @@
           <a:p>
             <a:fld id="{62D6E202-B606-4609-B914-27C9371A1F6D}" type="datetime1">
               <a:rPr lang="en-US" smtClean="0"/>
-              <a:t>1/9/2023</a:t>
+              <a:t>1/11/2023</a:t>
             </a:fld>
             <a:endParaRPr lang="en-US" dirty="0"/>
           </a:p>
@@ -4000,13 +4000,13 @@
     <p:sldLayoutId id="2147483765" r:id="rId10"/>
     <p:sldLayoutId id="2147483767" r:id="rId11"/>
   </p:sldLayoutIdLst>
-  <mc:AlternateContent xmlns:mc="http://schemas.openxmlformats.org/markup-compatibility/2006">
-    <mc:Choice xmlns:p14="http://schemas.microsoft.com/office/powerpoint/2010/main" Requires="p14">
+  <mc:AlternateContent xmlns:mc="http://schemas.openxmlformats.org/markup-compatibility/2006" xmlns:p14="http://schemas.microsoft.com/office/powerpoint/2010/main">
+    <mc:Choice Requires="p14">
       <p:transition spd="med" p14:dur="700">
         <p:fade/>
       </p:transition>
     </mc:Choice>
-    <mc:Fallback>
+    <mc:Fallback xmlns="">
       <p:transition spd="med">
         <p:fade/>
       </p:transition>
@@ -4798,13 +4798,13 @@
   <p:clrMapOvr>
     <a:overrideClrMapping bg1="dk1" tx1="lt1" bg2="dk2" tx2="lt2" accent1="accent1" accent2="accent2" accent3="accent3" accent4="accent4" accent5="accent5" accent6="accent6" hlink="hlink" folHlink="folHlink"/>
   </p:clrMapOvr>
-  <mc:AlternateContent xmlns:mc="http://schemas.openxmlformats.org/markup-compatibility/2006">
-    <mc:Choice xmlns:p14="http://schemas.microsoft.com/office/powerpoint/2010/main" Requires="p14">
+  <mc:AlternateContent xmlns:mc="http://schemas.openxmlformats.org/markup-compatibility/2006" xmlns:p14="http://schemas.microsoft.com/office/powerpoint/2010/main">
+    <mc:Choice Requires="p14">
       <p:transition spd="med" p14:dur="700">
         <p:fade/>
       </p:transition>
     </mc:Choice>
-    <mc:Fallback>
+    <mc:Fallback xmlns="">
       <p:transition spd="med">
         <p:fade/>
       </p:transition>
@@ -4853,7 +4853,7 @@
           <a:p>
             <a:r>
               <a:rPr lang="pl-PL" dirty="0"/>
-              <a:t>Introduction</a:t>
+              <a:t>Introduction (Maria)</a:t>
             </a:r>
             <a:endParaRPr lang="en-GB" dirty="0"/>
           </a:p>
@@ -4934,13 +4934,13 @@
   <p:clrMapOvr>
     <a:masterClrMapping/>
   </p:clrMapOvr>
-  <mc:AlternateContent xmlns:mc="http://schemas.openxmlformats.org/markup-compatibility/2006">
-    <mc:Choice xmlns:p14="http://schemas.microsoft.com/office/powerpoint/2010/main" Requires="p14">
+  <mc:AlternateContent xmlns:mc="http://schemas.openxmlformats.org/markup-compatibility/2006" xmlns:p14="http://schemas.microsoft.com/office/powerpoint/2010/main">
+    <mc:Choice Requires="p14">
       <p:transition spd="med" p14:dur="700">
         <p:fade/>
       </p:transition>
     </mc:Choice>
-    <mc:Fallback>
+    <mc:Fallback xmlns="">
       <p:transition spd="med">
         <p:fade/>
       </p:transition>
@@ -4989,7 +4989,7 @@
           <a:p>
             <a:r>
               <a:rPr lang="pl-PL" dirty="0"/>
-              <a:t>Materials and Methods	</a:t>
+              <a:t>Materials and Methods (Dominik)	</a:t>
             </a:r>
             <a:endParaRPr lang="en-GB" dirty="0"/>
           </a:p>
@@ -5097,13 +5097,13 @@
   <p:clrMapOvr>
     <a:masterClrMapping/>
   </p:clrMapOvr>
-  <mc:AlternateContent xmlns:mc="http://schemas.openxmlformats.org/markup-compatibility/2006">
-    <mc:Choice xmlns:p14="http://schemas.microsoft.com/office/powerpoint/2010/main" Requires="p14">
+  <mc:AlternateContent xmlns:mc="http://schemas.openxmlformats.org/markup-compatibility/2006" xmlns:p14="http://schemas.microsoft.com/office/powerpoint/2010/main">
+    <mc:Choice Requires="p14">
       <p:transition spd="med" p14:dur="700">
         <p:fade/>
       </p:transition>
     </mc:Choice>
-    <mc:Fallback>
+    <mc:Fallback xmlns="">
       <p:transition spd="med">
         <p:fade/>
       </p:transition>
@@ -5253,13 +5253,13 @@
   <p:clrMapOvr>
     <a:masterClrMapping/>
   </p:clrMapOvr>
-  <mc:AlternateContent xmlns:mc="http://schemas.openxmlformats.org/markup-compatibility/2006">
-    <mc:Choice xmlns:p14="http://schemas.microsoft.com/office/powerpoint/2010/main" Requires="p14">
+  <mc:AlternateContent xmlns:mc="http://schemas.openxmlformats.org/markup-compatibility/2006" xmlns:p14="http://schemas.microsoft.com/office/powerpoint/2010/main">
+    <mc:Choice Requires="p14">
       <p:transition spd="med" p14:dur="700">
         <p:fade/>
       </p:transition>
     </mc:Choice>
-    <mc:Fallback>
+    <mc:Fallback xmlns="">
       <p:transition spd="med">
         <p:fade/>
       </p:transition>
@@ -5458,13 +5458,13 @@
   <p:clrMapOvr>
     <a:masterClrMapping/>
   </p:clrMapOvr>
-  <mc:AlternateContent xmlns:mc="http://schemas.openxmlformats.org/markup-compatibility/2006">
-    <mc:Choice xmlns:p14="http://schemas.microsoft.com/office/powerpoint/2010/main" Requires="p14">
+  <mc:AlternateContent xmlns:mc="http://schemas.openxmlformats.org/markup-compatibility/2006" xmlns:p14="http://schemas.microsoft.com/office/powerpoint/2010/main">
+    <mc:Choice Requires="p14">
       <p:transition spd="med" p14:dur="700">
         <p:fade/>
       </p:transition>
     </mc:Choice>
-    <mc:Fallback>
+    <mc:Fallback xmlns="">
       <p:transition spd="med">
         <p:fade/>
       </p:transition>
@@ -5513,7 +5513,7 @@
           <a:p>
             <a:r>
               <a:rPr lang="pl-PL" dirty="0"/>
-              <a:t>Discussion</a:t>
+              <a:t>Discussion (Dominik)</a:t>
             </a:r>
             <a:endParaRPr lang="en-GB" dirty="0"/>
           </a:p>
@@ -5609,13 +5609,13 @@
   <p:clrMapOvr>
     <a:masterClrMapping/>
   </p:clrMapOvr>
-  <mc:AlternateContent xmlns:mc="http://schemas.openxmlformats.org/markup-compatibility/2006">
-    <mc:Choice xmlns:p14="http://schemas.microsoft.com/office/powerpoint/2010/main" Requires="p14">
+  <mc:AlternateContent xmlns:mc="http://schemas.openxmlformats.org/markup-compatibility/2006" xmlns:p14="http://schemas.microsoft.com/office/powerpoint/2010/main">
+    <mc:Choice Requires="p14">
       <p:transition spd="med" p14:dur="700">
         <p:fade/>
       </p:transition>
     </mc:Choice>
-    <mc:Fallback>
+    <mc:Fallback xmlns="">
       <p:transition spd="med">
         <p:fade/>
       </p:transition>
@@ -5663,8 +5663,8 @@
           <a:lstStyle/>
           <a:p>
             <a:r>
-              <a:rPr lang="pl-PL" dirty="0"/>
-              <a:t>Conclusions</a:t>
+              <a:rPr lang="pl-PL"/>
+              <a:t>Conclusions (Maria)</a:t>
             </a:r>
             <a:endParaRPr lang="en-GB" dirty="0"/>
           </a:p>
@@ -5765,13 +5765,13 @@
   <p:clrMapOvr>
     <a:masterClrMapping/>
   </p:clrMapOvr>
-  <mc:AlternateContent xmlns:mc="http://schemas.openxmlformats.org/markup-compatibility/2006">
-    <mc:Choice xmlns:p14="http://schemas.microsoft.com/office/powerpoint/2010/main" Requires="p14">
+  <mc:AlternateContent xmlns:mc="http://schemas.openxmlformats.org/markup-compatibility/2006" xmlns:p14="http://schemas.microsoft.com/office/powerpoint/2010/main">
+    <mc:Choice Requires="p14">
       <p:transition spd="med" p14:dur="700">
         <p:fade/>
       </p:transition>
     </mc:Choice>
-    <mc:Fallback>
+    <mc:Fallback xmlns="">
       <p:transition spd="med">
         <p:fade/>
       </p:transition>
@@ -5861,13 +5861,13 @@
   <p:clrMapOvr>
     <a:masterClrMapping/>
   </p:clrMapOvr>
-  <mc:AlternateContent xmlns:mc="http://schemas.openxmlformats.org/markup-compatibility/2006">
-    <mc:Choice xmlns:p14="http://schemas.microsoft.com/office/powerpoint/2010/main" Requires="p14">
+  <mc:AlternateContent xmlns:mc="http://schemas.openxmlformats.org/markup-compatibility/2006" xmlns:p14="http://schemas.microsoft.com/office/powerpoint/2010/main">
+    <mc:Choice Requires="p14">
       <p:transition spd="med" p14:dur="700">
         <p:fade/>
       </p:transition>
     </mc:Choice>
-    <mc:Fallback>
+    <mc:Fallback xmlns="">
       <p:transition spd="med">
         <p:fade/>
       </p:transition>
